--- a/VEX Camp Day 2.pptx
+++ b/VEX Camp Day 2.pptx
@@ -5,7 +5,7 @@
     <p:sldMasterId id="2147483648" r:id="rId4"/>
   </p:sldMasterIdLst>
   <p:notesMasterIdLst>
-    <p:notesMasterId r:id="rId32"/>
+    <p:notesMasterId r:id="rId28"/>
   </p:notesMasterIdLst>
   <p:sldIdLst>
     <p:sldId id="256" r:id="rId5"/>
@@ -13,28 +13,24 @@
     <p:sldId id="258" r:id="rId7"/>
     <p:sldId id="259" r:id="rId8"/>
     <p:sldId id="268" r:id="rId9"/>
-    <p:sldId id="260" r:id="rId10"/>
-    <p:sldId id="261" r:id="rId11"/>
-    <p:sldId id="262" r:id="rId12"/>
-    <p:sldId id="263" r:id="rId13"/>
-    <p:sldId id="264" r:id="rId14"/>
-    <p:sldId id="265" r:id="rId15"/>
-    <p:sldId id="266" r:id="rId16"/>
-    <p:sldId id="267" r:id="rId17"/>
-    <p:sldId id="269" r:id="rId18"/>
-    <p:sldId id="270" r:id="rId19"/>
-    <p:sldId id="271" r:id="rId20"/>
-    <p:sldId id="272" r:id="rId21"/>
-    <p:sldId id="273" r:id="rId22"/>
-    <p:sldId id="274" r:id="rId23"/>
-    <p:sldId id="275" r:id="rId24"/>
-    <p:sldId id="276" r:id="rId25"/>
-    <p:sldId id="277" r:id="rId26"/>
-    <p:sldId id="278" r:id="rId27"/>
-    <p:sldId id="279" r:id="rId28"/>
-    <p:sldId id="280" r:id="rId29"/>
-    <p:sldId id="281" r:id="rId30"/>
-    <p:sldId id="282" r:id="rId31"/>
+    <p:sldId id="264" r:id="rId10"/>
+    <p:sldId id="265" r:id="rId11"/>
+    <p:sldId id="266" r:id="rId12"/>
+    <p:sldId id="267" r:id="rId13"/>
+    <p:sldId id="269" r:id="rId14"/>
+    <p:sldId id="270" r:id="rId15"/>
+    <p:sldId id="271" r:id="rId16"/>
+    <p:sldId id="272" r:id="rId17"/>
+    <p:sldId id="273" r:id="rId18"/>
+    <p:sldId id="274" r:id="rId19"/>
+    <p:sldId id="275" r:id="rId20"/>
+    <p:sldId id="276" r:id="rId21"/>
+    <p:sldId id="277" r:id="rId22"/>
+    <p:sldId id="278" r:id="rId23"/>
+    <p:sldId id="279" r:id="rId24"/>
+    <p:sldId id="280" r:id="rId25"/>
+    <p:sldId id="281" r:id="rId26"/>
+    <p:sldId id="282" r:id="rId27"/>
   </p:sldIdLst>
   <p:sldSz cx="12192000" cy="6858000"/>
   <p:notesSz cx="6858000" cy="9144000"/>
@@ -153,6 +149,101 @@
 </p:cmAuthorLst>
 </file>
 
+<file path=ppt/revisionInfo.xml><?xml version="1.0" encoding="utf-8"?>
+<p1510:revInfo xmlns:a="http://schemas.openxmlformats.org/drawingml/2006/main" xmlns:r="http://schemas.openxmlformats.org/officeDocument/2006/relationships" xmlns:p1510="http://schemas.microsoft.com/office/powerpoint/2015/10/main">
+  <p1510:revLst>
+    <p1510:client id="{669A66E3-DD0F-49DD-918F-1C8AEDBF508E}" v="44" dt="2023-06-16T19:52:45.937"/>
+  </p1510:revLst>
+</p1510:revInfo>
+</file>
+
+<file path=ppt/changesInfos/changesInfo1.xml><?xml version="1.0" encoding="utf-8"?>
+<pc:chgInfo xmlns:a="http://schemas.openxmlformats.org/drawingml/2006/main" xmlns:r="http://schemas.openxmlformats.org/officeDocument/2006/relationships" xmlns:ac="http://schemas.microsoft.com/office/drawing/2013/main/command" xmlns:pc="http://schemas.microsoft.com/office/powerpoint/2013/main/command">
+  <pc:docChgLst>
+    <pc:chgData name="Davis S." userId="cc0e14a16040ea79" providerId="Windows Live" clId="Web-{669A66E3-DD0F-49DD-918F-1C8AEDBF508E}"/>
+    <pc:docChg chg="delSld modSld">
+      <pc:chgData name="Davis S." userId="cc0e14a16040ea79" providerId="Windows Live" clId="Web-{669A66E3-DD0F-49DD-918F-1C8AEDBF508E}" dt="2023-06-16T19:52:45.281" v="26" actId="20577"/>
+      <pc:docMkLst>
+        <pc:docMk/>
+      </pc:docMkLst>
+      <pc:sldChg chg="modSp">
+        <pc:chgData name="Davis S." userId="cc0e14a16040ea79" providerId="Windows Live" clId="Web-{669A66E3-DD0F-49DD-918F-1C8AEDBF508E}" dt="2023-06-16T19:49:59.806" v="7" actId="20577"/>
+        <pc:sldMkLst>
+          <pc:docMk/>
+          <pc:sldMk cId="3229506302" sldId="259"/>
+        </pc:sldMkLst>
+        <pc:spChg chg="mod">
+          <ac:chgData name="Davis S." userId="cc0e14a16040ea79" providerId="Windows Live" clId="Web-{669A66E3-DD0F-49DD-918F-1C8AEDBF508E}" dt="2023-06-16T19:49:59.806" v="7" actId="20577"/>
+          <ac:spMkLst>
+            <pc:docMk/>
+            <pc:sldMk cId="3229506302" sldId="259"/>
+            <ac:spMk id="3" creationId="{F3779330-8F0E-C9FE-F72C-70C41FB05FED}"/>
+          </ac:spMkLst>
+        </pc:spChg>
+      </pc:sldChg>
+      <pc:sldChg chg="del">
+        <pc:chgData name="Davis S." userId="cc0e14a16040ea79" providerId="Windows Live" clId="Web-{669A66E3-DD0F-49DD-918F-1C8AEDBF508E}" dt="2023-06-16T19:49:42.649" v="3"/>
+        <pc:sldMkLst>
+          <pc:docMk/>
+          <pc:sldMk cId="946938292" sldId="260"/>
+        </pc:sldMkLst>
+      </pc:sldChg>
+      <pc:sldChg chg="del">
+        <pc:chgData name="Davis S." userId="cc0e14a16040ea79" providerId="Windows Live" clId="Web-{669A66E3-DD0F-49DD-918F-1C8AEDBF508E}" dt="2023-06-16T19:49:42.649" v="2"/>
+        <pc:sldMkLst>
+          <pc:docMk/>
+          <pc:sldMk cId="173991977" sldId="261"/>
+        </pc:sldMkLst>
+      </pc:sldChg>
+      <pc:sldChg chg="del">
+        <pc:chgData name="Davis S." userId="cc0e14a16040ea79" providerId="Windows Live" clId="Web-{669A66E3-DD0F-49DD-918F-1C8AEDBF508E}" dt="2023-06-16T19:49:42.649" v="1"/>
+        <pc:sldMkLst>
+          <pc:docMk/>
+          <pc:sldMk cId="2809707574" sldId="262"/>
+        </pc:sldMkLst>
+      </pc:sldChg>
+      <pc:sldChg chg="del">
+        <pc:chgData name="Davis S." userId="cc0e14a16040ea79" providerId="Windows Live" clId="Web-{669A66E3-DD0F-49DD-918F-1C8AEDBF508E}" dt="2023-06-16T19:49:42.649" v="0"/>
+        <pc:sldMkLst>
+          <pc:docMk/>
+          <pc:sldMk cId="708246367" sldId="263"/>
+        </pc:sldMkLst>
+      </pc:sldChg>
+      <pc:sldChg chg="modSp">
+        <pc:chgData name="Davis S." userId="cc0e14a16040ea79" providerId="Windows Live" clId="Web-{669A66E3-DD0F-49DD-918F-1C8AEDBF508E}" dt="2023-06-16T19:51:14.699" v="13" actId="20577"/>
+        <pc:sldMkLst>
+          <pc:docMk/>
+          <pc:sldMk cId="1817434636" sldId="275"/>
+        </pc:sldMkLst>
+        <pc:spChg chg="mod">
+          <ac:chgData name="Davis S." userId="cc0e14a16040ea79" providerId="Windows Live" clId="Web-{669A66E3-DD0F-49DD-918F-1C8AEDBF508E}" dt="2023-06-16T19:51:14.699" v="13" actId="20577"/>
+          <ac:spMkLst>
+            <pc:docMk/>
+            <pc:sldMk cId="1817434636" sldId="275"/>
+            <ac:spMk id="3" creationId="{6A28A6F1-A36E-25A6-74D9-C409D423AAF6}"/>
+          </ac:spMkLst>
+        </pc:spChg>
+      </pc:sldChg>
+      <pc:sldChg chg="modSp">
+        <pc:chgData name="Davis S." userId="cc0e14a16040ea79" providerId="Windows Live" clId="Web-{669A66E3-DD0F-49DD-918F-1C8AEDBF508E}" dt="2023-06-16T19:52:45.281" v="26" actId="20577"/>
+        <pc:sldMkLst>
+          <pc:docMk/>
+          <pc:sldMk cId="1145914662" sldId="280"/>
+        </pc:sldMkLst>
+        <pc:spChg chg="mod">
+          <ac:chgData name="Davis S." userId="cc0e14a16040ea79" providerId="Windows Live" clId="Web-{669A66E3-DD0F-49DD-918F-1C8AEDBF508E}" dt="2023-06-16T19:52:45.281" v="26" actId="20577"/>
+          <ac:spMkLst>
+            <pc:docMk/>
+            <pc:sldMk cId="1145914662" sldId="280"/>
+            <ac:spMk id="16" creationId="{D50A093D-54C9-8180-5913-12242D204AD4}"/>
+          </ac:spMkLst>
+        </pc:spChg>
+      </pc:sldChg>
+    </pc:docChg>
+  </pc:docChgLst>
+</pc:chgInfo>
+</file>
+
 <file path=ppt/ink/ink1.xml><?xml version="1.0" encoding="utf-8"?>
 <inkml:ink xmlns:inkml="http://www.w3.org/2003/InkML">
   <inkml:definitions>
@@ -291,7 +382,7 @@
           <a:p>
             <a:fld id="{7487ADD9-2083-264C-A652-8D52D02F7E72}" type="datetimeFigureOut">
               <a:rPr lang="en-US" smtClean="0"/>
-              <a:t>6/13/2023</a:t>
+              <a:t>6/16/2023</a:t>
             </a:fld>
             <a:endParaRPr lang="en-US" dirty="0"/>
           </a:p>
@@ -1948,7 +2039,7 @@
             <a:fld id="{5F02DCD1-2C6B-F948-9F72-3BB0CF3D512E}" type="datetime1">
               <a:rPr lang="en-US" smtClean="0"/>
               <a:pPr/>
-              <a:t>6/13/2023</a:t>
+              <a:t>6/16/2023</a:t>
             </a:fld>
             <a:endParaRPr lang="en-US" dirty="0"/>
           </a:p>
@@ -2833,7 +2924,7 @@
             <a:fld id="{C1583C39-01BF-7F43-854C-FBB4E9AB6B0C}" type="datetime1">
               <a:rPr lang="en-US" smtClean="0"/>
               <a:pPr/>
-              <a:t>6/13/2023</a:t>
+              <a:t>6/16/2023</a:t>
             </a:fld>
             <a:endParaRPr lang="en-US" dirty="0"/>
           </a:p>
@@ -4010,7 +4101,7 @@
             <a:fld id="{4B103E64-1627-9140-8127-1849FED275E1}" type="datetime1">
               <a:rPr lang="en-US" smtClean="0"/>
               <a:pPr/>
-              <a:t>6/13/2023</a:t>
+              <a:t>6/16/2023</a:t>
             </a:fld>
             <a:endParaRPr lang="en-US" dirty="0"/>
           </a:p>
@@ -6090,7 +6181,7 @@
             <a:fld id="{DD9C8446-696E-6942-B6C8-CC9CAD0B34E0}" type="datetime1">
               <a:rPr lang="en-US" smtClean="0"/>
               <a:pPr/>
-              <a:t>6/13/2023</a:t>
+              <a:t>6/16/2023</a:t>
             </a:fld>
             <a:endParaRPr lang="en-US" dirty="0"/>
           </a:p>
@@ -6808,7 +6899,7 @@
             <a:fld id="{F5592931-05C6-8543-8B6E-A8BD29BD5C2B}" type="datetime1">
               <a:rPr lang="en-US" smtClean="0"/>
               <a:pPr/>
-              <a:t>6/13/2023</a:t>
+              <a:t>6/16/2023</a:t>
             </a:fld>
             <a:endParaRPr lang="en-US" dirty="0"/>
           </a:p>
@@ -8036,7 +8127,7 @@
             <a:fld id="{7E7AB22C-8B7E-9B4A-8C65-396C3C874D86}" type="datetime1">
               <a:rPr lang="en-US" smtClean="0"/>
               <a:pPr/>
-              <a:t>6/13/2023</a:t>
+              <a:t>6/16/2023</a:t>
             </a:fld>
             <a:endParaRPr lang="en-US" dirty="0"/>
           </a:p>
@@ -8628,7 +8719,7 @@
             <a:fld id="{8CE9AC2A-20AD-8C48-B5EB-B5322BDBCDEE}" type="datetime1">
               <a:rPr lang="en-US" smtClean="0"/>
               <a:pPr/>
-              <a:t>6/13/2023</a:t>
+              <a:t>6/16/2023</a:t>
             </a:fld>
             <a:endParaRPr lang="en-US" dirty="0"/>
           </a:p>
@@ -9101,7 +9192,7 @@
             <a:fld id="{4CF75428-5BE0-934D-BB71-675F8E23A386}" type="datetime1">
               <a:rPr lang="en-US" smtClean="0"/>
               <a:pPr/>
-              <a:t>6/13/2023</a:t>
+              <a:t>6/16/2023</a:t>
             </a:fld>
             <a:endParaRPr lang="en-US" dirty="0"/>
           </a:p>
@@ -9951,7 +10042,7 @@
             <a:fld id="{9A85C5CA-AE29-AB4C-8F85-0373C72001D8}" type="datetime1">
               <a:rPr lang="en-US" smtClean="0"/>
               <a:pPr/>
-              <a:t>6/13/2023</a:t>
+              <a:t>6/16/2023</a:t>
             </a:fld>
             <a:endParaRPr lang="en-US" dirty="0"/>
           </a:p>
@@ -12176,7 +12267,7 @@
             <a:fld id="{75594855-01E8-5A4B-B2B8-E2ECEF879100}" type="datetime1">
               <a:rPr lang="en-US" smtClean="0"/>
               <a:pPr/>
-              <a:t>6/13/2023</a:t>
+              <a:t>6/16/2023</a:t>
             </a:fld>
             <a:endParaRPr lang="en-US" dirty="0"/>
           </a:p>
@@ -12445,7 +12536,7 @@
             <a:fld id="{B562DF68-3089-814D-8A14-C651FE91885E}" type="datetime1">
               <a:rPr lang="en-US" smtClean="0"/>
               <a:pPr/>
-              <a:t>6/13/2023</a:t>
+              <a:t>6/16/2023</a:t>
             </a:fld>
             <a:endParaRPr lang="en-US" dirty="0"/>
           </a:p>
@@ -13058,7 +13149,7 @@
           <p:cNvPr id="2" name="Title 1">
             <a:extLst>
               <a:ext uri="{FF2B5EF4-FFF2-40B4-BE49-F238E27FC236}">
-                <a16:creationId xmlns:a16="http://schemas.microsoft.com/office/drawing/2014/main" id="{02C7A93F-A375-4ABC-A681-FDF781195927}"/>
+                <a16:creationId xmlns:a16="http://schemas.microsoft.com/office/drawing/2014/main" id="{755D8163-A272-A9CA-BEFA-8E1879EDAE9E}"/>
               </a:ext>
             </a:extLst>
           </p:cNvPr>
@@ -13076,35 +13167,7 @@
           <a:p>
             <a:r>
               <a:rPr lang="en-US" dirty="0"/>
-              <a:t>A Simple Closed-Loop Controller</a:t>
-            </a:r>
-          </a:p>
-        </p:txBody>
-      </p:sp>
-      <p:sp>
-        <p:nvSpPr>
-          <p:cNvPr id="3" name="Content Placeholder 2">
-            <a:extLst>
-              <a:ext uri="{FF2B5EF4-FFF2-40B4-BE49-F238E27FC236}">
-                <a16:creationId xmlns:a16="http://schemas.microsoft.com/office/drawing/2014/main" id="{82D79582-9BF0-BBD2-8687-E40E7AE47528}"/>
-              </a:ext>
-            </a:extLst>
-          </p:cNvPr>
-          <p:cNvSpPr>
-            <a:spLocks noGrp="1"/>
-          </p:cNvSpPr>
-          <p:nvPr>
-            <p:ph idx="1"/>
-          </p:nvPr>
-        </p:nvSpPr>
-        <p:spPr/>
-        <p:txBody>
-          <a:bodyPr/>
-          <a:lstStyle/>
-          <a:p>
-            <a:r>
-              <a:rPr lang="en-US" dirty="0"/>
-              <a:t>In VEX, an effective autonomous program requires precise movement. We’ll write a simple controller that moves the robot to a target and stops when it gets there.</a:t>
+              <a:t>The Code – Getting Our Target</a:t>
             </a:r>
           </a:p>
         </p:txBody>
@@ -13114,7 +13177,7 @@
           <p:cNvPr id="6" name="Slide Number Placeholder 5">
             <a:extLst>
               <a:ext uri="{FF2B5EF4-FFF2-40B4-BE49-F238E27FC236}">
-                <a16:creationId xmlns:a16="http://schemas.microsoft.com/office/drawing/2014/main" id="{F694FB14-D1BF-7CDA-F69F-756CF193A52F}"/>
+                <a16:creationId xmlns:a16="http://schemas.microsoft.com/office/drawing/2014/main" id="{24FF01CD-01EF-0D01-D6F3-9B1C9CE8DF05}"/>
               </a:ext>
             </a:extLst>
           </p:cNvPr>
@@ -13134,1089 +13197,6 @@
               <a:rPr lang="en-US" smtClean="0"/>
               <a:pPr/>
               <a:t>10</a:t>
-            </a:fld>
-            <a:endParaRPr lang="en-US" dirty="0"/>
-          </a:p>
-        </p:txBody>
-      </p:sp>
-    </p:spTree>
-    <p:extLst>
-      <p:ext uri="{BB962C8B-B14F-4D97-AF65-F5344CB8AC3E}">
-        <p14:creationId xmlns:p14="http://schemas.microsoft.com/office/powerpoint/2010/main" val="2804262836"/>
-      </p:ext>
-    </p:extLst>
-  </p:cSld>
-  <p:clrMapOvr>
-    <a:masterClrMapping/>
-  </p:clrMapOvr>
-</p:sld>
-</file>
-
-<file path=ppt/slides/slide11.xml><?xml version="1.0" encoding="utf-8"?>
-<p:sld xmlns:a="http://schemas.openxmlformats.org/drawingml/2006/main" xmlns:r="http://schemas.openxmlformats.org/officeDocument/2006/relationships" xmlns:p="http://schemas.openxmlformats.org/presentationml/2006/main">
-  <p:cSld>
-    <p:spTree>
-      <p:nvGrpSpPr>
-        <p:cNvPr id="1" name=""/>
-        <p:cNvGrpSpPr/>
-        <p:nvPr/>
-      </p:nvGrpSpPr>
-      <p:grpSpPr>
-        <a:xfrm>
-          <a:off x="0" y="0"/>
-          <a:ext cx="0" cy="0"/>
-          <a:chOff x="0" y="0"/>
-          <a:chExt cx="0" cy="0"/>
-        </a:xfrm>
-      </p:grpSpPr>
-      <p:sp>
-        <p:nvSpPr>
-          <p:cNvPr id="2" name="Title 1">
-            <a:extLst>
-              <a:ext uri="{FF2B5EF4-FFF2-40B4-BE49-F238E27FC236}">
-                <a16:creationId xmlns:a16="http://schemas.microsoft.com/office/drawing/2014/main" id="{D78A9429-1467-3F7C-D4F3-1C396241C1CB}"/>
-              </a:ext>
-            </a:extLst>
-          </p:cNvPr>
-          <p:cNvSpPr>
-            <a:spLocks noGrp="1"/>
-          </p:cNvSpPr>
-          <p:nvPr>
-            <p:ph type="title"/>
-          </p:nvPr>
-        </p:nvSpPr>
-        <p:spPr/>
-        <p:txBody>
-          <a:bodyPr/>
-          <a:lstStyle/>
-          <a:p>
-            <a:r>
-              <a:rPr lang="en-US" dirty="0"/>
-              <a:t>How?</a:t>
-            </a:r>
-          </a:p>
-        </p:txBody>
-      </p:sp>
-      <p:sp>
-        <p:nvSpPr>
-          <p:cNvPr id="3" name="Text Placeholder 2">
-            <a:extLst>
-              <a:ext uri="{FF2B5EF4-FFF2-40B4-BE49-F238E27FC236}">
-                <a16:creationId xmlns:a16="http://schemas.microsoft.com/office/drawing/2014/main" id="{CD7B72D4-ED6D-D644-9A4E-9387E53E5B81}"/>
-              </a:ext>
-            </a:extLst>
-          </p:cNvPr>
-          <p:cNvSpPr>
-            <a:spLocks noGrp="1"/>
-          </p:cNvSpPr>
-          <p:nvPr>
-            <p:ph type="body" idx="1"/>
-          </p:nvPr>
-        </p:nvSpPr>
-        <p:spPr/>
-        <p:txBody>
-          <a:bodyPr/>
-          <a:lstStyle/>
-          <a:p>
-            <a:r>
-              <a:rPr lang="en-US" dirty="0"/>
-              <a:t>VEX Motors come with rotation sensors in them called “encoders”. These encoders return the current rotation of the motor, and we can use them to tell how close we are to our goal.</a:t>
-            </a:r>
-          </a:p>
-        </p:txBody>
-      </p:sp>
-      <p:sp>
-        <p:nvSpPr>
-          <p:cNvPr id="6" name="Slide Number Placeholder 5">
-            <a:extLst>
-              <a:ext uri="{FF2B5EF4-FFF2-40B4-BE49-F238E27FC236}">
-                <a16:creationId xmlns:a16="http://schemas.microsoft.com/office/drawing/2014/main" id="{F6C8E320-12B6-2002-792B-878A4F67A9F4}"/>
-              </a:ext>
-            </a:extLst>
-          </p:cNvPr>
-          <p:cNvSpPr>
-            <a:spLocks noGrp="1"/>
-          </p:cNvSpPr>
-          <p:nvPr>
-            <p:ph type="sldNum" sz="quarter" idx="12"/>
-          </p:nvPr>
-        </p:nvSpPr>
-        <p:spPr/>
-        <p:txBody>
-          <a:bodyPr/>
-          <a:lstStyle/>
-          <a:p>
-            <a:fld id="{294A09A9-5501-47C1-A89A-A340965A2BE2}" type="slidenum">
-              <a:rPr lang="en-US" smtClean="0"/>
-              <a:pPr/>
-              <a:t>11</a:t>
-            </a:fld>
-            <a:endParaRPr lang="en-US" dirty="0"/>
-          </a:p>
-        </p:txBody>
-      </p:sp>
-    </p:spTree>
-    <p:extLst>
-      <p:ext uri="{BB962C8B-B14F-4D97-AF65-F5344CB8AC3E}">
-        <p14:creationId xmlns:p14="http://schemas.microsoft.com/office/powerpoint/2010/main" val="1497598497"/>
-      </p:ext>
-    </p:extLst>
-  </p:cSld>
-  <p:clrMapOvr>
-    <a:masterClrMapping/>
-  </p:clrMapOvr>
-</p:sld>
-</file>
-
-<file path=ppt/slides/slide12.xml><?xml version="1.0" encoding="utf-8"?>
-<p:sld xmlns:a="http://schemas.openxmlformats.org/drawingml/2006/main" xmlns:r="http://schemas.openxmlformats.org/officeDocument/2006/relationships" xmlns:p="http://schemas.openxmlformats.org/presentationml/2006/main">
-  <p:cSld>
-    <p:spTree>
-      <p:nvGrpSpPr>
-        <p:cNvPr id="1" name=""/>
-        <p:cNvGrpSpPr/>
-        <p:nvPr/>
-      </p:nvGrpSpPr>
-      <p:grpSpPr>
-        <a:xfrm>
-          <a:off x="0" y="0"/>
-          <a:ext cx="0" cy="0"/>
-          <a:chOff x="0" y="0"/>
-          <a:chExt cx="0" cy="0"/>
-        </a:xfrm>
-      </p:grpSpPr>
-      <p:sp>
-        <p:nvSpPr>
-          <p:cNvPr id="2" name="Title 1">
-            <a:extLst>
-              <a:ext uri="{FF2B5EF4-FFF2-40B4-BE49-F238E27FC236}">
-                <a16:creationId xmlns:a16="http://schemas.microsoft.com/office/drawing/2014/main" id="{5651827D-02A2-943F-DA12-649F1361C1EE}"/>
-              </a:ext>
-            </a:extLst>
-          </p:cNvPr>
-          <p:cNvSpPr>
-            <a:spLocks noGrp="1"/>
-          </p:cNvSpPr>
-          <p:nvPr>
-            <p:ph type="title"/>
-          </p:nvPr>
-        </p:nvSpPr>
-        <p:spPr/>
-        <p:txBody>
-          <a:bodyPr/>
-          <a:lstStyle/>
-          <a:p>
-            <a:r>
-              <a:rPr lang="en-US" dirty="0"/>
-              <a:t>Steps</a:t>
-            </a:r>
-          </a:p>
-        </p:txBody>
-      </p:sp>
-      <p:sp>
-        <p:nvSpPr>
-          <p:cNvPr id="3" name="Content Placeholder 2">
-            <a:extLst>
-              <a:ext uri="{FF2B5EF4-FFF2-40B4-BE49-F238E27FC236}">
-                <a16:creationId xmlns:a16="http://schemas.microsoft.com/office/drawing/2014/main" id="{EE3469FE-63D1-AD66-8883-282C4C2B8783}"/>
-              </a:ext>
-            </a:extLst>
-          </p:cNvPr>
-          <p:cNvSpPr>
-            <a:spLocks noGrp="1"/>
-          </p:cNvSpPr>
-          <p:nvPr>
-            <p:ph idx="1"/>
-          </p:nvPr>
-        </p:nvSpPr>
-        <p:spPr/>
-        <p:txBody>
-          <a:bodyPr/>
-          <a:lstStyle/>
-          <a:p>
-            <a:r>
-              <a:rPr lang="en-US" dirty="0"/>
-              <a:t>Let’s develop a plan for building this controller.</a:t>
-            </a:r>
-          </a:p>
-          <a:p>
-            <a:endParaRPr lang="en-US" dirty="0"/>
-          </a:p>
-          <a:p>
-            <a:pPr marL="514350" indent="-514350">
-              <a:buFont typeface="+mj-lt"/>
-              <a:buAutoNum type="arabicPeriod"/>
-            </a:pPr>
-            <a:r>
-              <a:rPr lang="en-US" dirty="0"/>
-              <a:t>Get the current position of our motor</a:t>
-            </a:r>
-          </a:p>
-          <a:p>
-            <a:pPr marL="514350" indent="-514350">
-              <a:buFont typeface="+mj-lt"/>
-              <a:buAutoNum type="arabicPeriod"/>
-            </a:pPr>
-            <a:r>
-              <a:rPr lang="en-US" dirty="0"/>
-              <a:t>Get the “error” by subtracting the goal from the current position</a:t>
-            </a:r>
-          </a:p>
-          <a:p>
-            <a:pPr marL="514350" indent="-514350">
-              <a:buFont typeface="+mj-lt"/>
-              <a:buAutoNum type="arabicPeriod"/>
-            </a:pPr>
-            <a:r>
-              <a:rPr lang="en-US" dirty="0"/>
-              <a:t>Move the robot forward until we reach the target, then exit</a:t>
-            </a:r>
-          </a:p>
-          <a:p>
-            <a:pPr marL="514350" indent="-514350">
-              <a:buFont typeface="+mj-lt"/>
-              <a:buAutoNum type="arabicPeriod"/>
-            </a:pPr>
-            <a:endParaRPr lang="en-US" dirty="0"/>
-          </a:p>
-          <a:p>
-            <a:r>
-              <a:rPr lang="en-US" dirty="0"/>
-              <a:t>Wait… what happens if the target is behind our robot?</a:t>
-            </a:r>
-          </a:p>
-          <a:p>
-            <a:pPr marL="514350" indent="-514350">
-              <a:buFont typeface="+mj-lt"/>
-              <a:buAutoNum type="arabicPeriod"/>
-            </a:pPr>
-            <a:endParaRPr lang="en-US" dirty="0"/>
-          </a:p>
-        </p:txBody>
-      </p:sp>
-    </p:spTree>
-    <p:extLst>
-      <p:ext uri="{BB962C8B-B14F-4D97-AF65-F5344CB8AC3E}">
-        <p14:creationId xmlns:p14="http://schemas.microsoft.com/office/powerpoint/2010/main" val="968927304"/>
-      </p:ext>
-    </p:extLst>
-  </p:cSld>
-  <p:clrMapOvr>
-    <a:masterClrMapping/>
-  </p:clrMapOvr>
-  <p:timing>
-    <p:tnLst>
-      <p:par>
-        <p:cTn id="1" dur="indefinite" restart="never" nodeType="tmRoot">
-          <p:childTnLst>
-            <p:seq concurrent="1" nextAc="seek">
-              <p:cTn id="2" dur="indefinite" nodeType="mainSeq">
-                <p:childTnLst>
-                  <p:par>
-                    <p:cTn id="3" fill="hold">
-                      <p:stCondLst>
-                        <p:cond delay="indefinite"/>
-                      </p:stCondLst>
-                      <p:childTnLst>
-                        <p:par>
-                          <p:cTn id="4" fill="hold">
-                            <p:stCondLst>
-                              <p:cond delay="0"/>
-                            </p:stCondLst>
-                            <p:childTnLst>
-                              <p:par>
-                                <p:cTn id="5" presetID="1" presetClass="entr" presetSubtype="0" fill="hold" grpId="0" nodeType="clickEffect">
-                                  <p:stCondLst>
-                                    <p:cond delay="0"/>
-                                  </p:stCondLst>
-                                  <p:childTnLst>
-                                    <p:set>
-                                      <p:cBhvr>
-                                        <p:cTn id="6" dur="1" fill="hold">
-                                          <p:stCondLst>
-                                            <p:cond delay="0"/>
-                                          </p:stCondLst>
-                                        </p:cTn>
-                                        <p:tgtEl>
-                                          <p:spTgt spid="3">
-                                            <p:txEl>
-                                              <p:pRg st="0" end="0"/>
-                                            </p:txEl>
-                                          </p:spTgt>
-                                        </p:tgtEl>
-                                        <p:attrNameLst>
-                                          <p:attrName>style.visibility</p:attrName>
-                                        </p:attrNameLst>
-                                      </p:cBhvr>
-                                      <p:to>
-                                        <p:strVal val="visible"/>
-                                      </p:to>
-                                    </p:set>
-                                  </p:childTnLst>
-                                </p:cTn>
-                              </p:par>
-                            </p:childTnLst>
-                          </p:cTn>
-                        </p:par>
-                      </p:childTnLst>
-                    </p:cTn>
-                  </p:par>
-                  <p:par>
-                    <p:cTn id="7" fill="hold">
-                      <p:stCondLst>
-                        <p:cond delay="indefinite"/>
-                      </p:stCondLst>
-                      <p:childTnLst>
-                        <p:par>
-                          <p:cTn id="8" fill="hold">
-                            <p:stCondLst>
-                              <p:cond delay="0"/>
-                            </p:stCondLst>
-                            <p:childTnLst>
-                              <p:par>
-                                <p:cTn id="9" presetID="1" presetClass="entr" presetSubtype="0" fill="hold" grpId="0" nodeType="clickEffect">
-                                  <p:stCondLst>
-                                    <p:cond delay="0"/>
-                                  </p:stCondLst>
-                                  <p:childTnLst>
-                                    <p:set>
-                                      <p:cBhvr>
-                                        <p:cTn id="10" dur="1" fill="hold">
-                                          <p:stCondLst>
-                                            <p:cond delay="0"/>
-                                          </p:stCondLst>
-                                        </p:cTn>
-                                        <p:tgtEl>
-                                          <p:spTgt spid="3">
-                                            <p:txEl>
-                                              <p:pRg st="2" end="2"/>
-                                            </p:txEl>
-                                          </p:spTgt>
-                                        </p:tgtEl>
-                                        <p:attrNameLst>
-                                          <p:attrName>style.visibility</p:attrName>
-                                        </p:attrNameLst>
-                                      </p:cBhvr>
-                                      <p:to>
-                                        <p:strVal val="visible"/>
-                                      </p:to>
-                                    </p:set>
-                                  </p:childTnLst>
-                                </p:cTn>
-                              </p:par>
-                            </p:childTnLst>
-                          </p:cTn>
-                        </p:par>
-                      </p:childTnLst>
-                    </p:cTn>
-                  </p:par>
-                  <p:par>
-                    <p:cTn id="11" fill="hold">
-                      <p:stCondLst>
-                        <p:cond delay="indefinite"/>
-                      </p:stCondLst>
-                      <p:childTnLst>
-                        <p:par>
-                          <p:cTn id="12" fill="hold">
-                            <p:stCondLst>
-                              <p:cond delay="0"/>
-                            </p:stCondLst>
-                            <p:childTnLst>
-                              <p:par>
-                                <p:cTn id="13" presetID="1" presetClass="entr" presetSubtype="0" fill="hold" grpId="0" nodeType="clickEffect">
-                                  <p:stCondLst>
-                                    <p:cond delay="0"/>
-                                  </p:stCondLst>
-                                  <p:childTnLst>
-                                    <p:set>
-                                      <p:cBhvr>
-                                        <p:cTn id="14" dur="1" fill="hold">
-                                          <p:stCondLst>
-                                            <p:cond delay="0"/>
-                                          </p:stCondLst>
-                                        </p:cTn>
-                                        <p:tgtEl>
-                                          <p:spTgt spid="3">
-                                            <p:txEl>
-                                              <p:pRg st="3" end="3"/>
-                                            </p:txEl>
-                                          </p:spTgt>
-                                        </p:tgtEl>
-                                        <p:attrNameLst>
-                                          <p:attrName>style.visibility</p:attrName>
-                                        </p:attrNameLst>
-                                      </p:cBhvr>
-                                      <p:to>
-                                        <p:strVal val="visible"/>
-                                      </p:to>
-                                    </p:set>
-                                  </p:childTnLst>
-                                </p:cTn>
-                              </p:par>
-                            </p:childTnLst>
-                          </p:cTn>
-                        </p:par>
-                      </p:childTnLst>
-                    </p:cTn>
-                  </p:par>
-                  <p:par>
-                    <p:cTn id="15" fill="hold">
-                      <p:stCondLst>
-                        <p:cond delay="indefinite"/>
-                      </p:stCondLst>
-                      <p:childTnLst>
-                        <p:par>
-                          <p:cTn id="16" fill="hold">
-                            <p:stCondLst>
-                              <p:cond delay="0"/>
-                            </p:stCondLst>
-                            <p:childTnLst>
-                              <p:par>
-                                <p:cTn id="17" presetID="1" presetClass="entr" presetSubtype="0" fill="hold" grpId="0" nodeType="clickEffect">
-                                  <p:stCondLst>
-                                    <p:cond delay="0"/>
-                                  </p:stCondLst>
-                                  <p:childTnLst>
-                                    <p:set>
-                                      <p:cBhvr>
-                                        <p:cTn id="18" dur="1" fill="hold">
-                                          <p:stCondLst>
-                                            <p:cond delay="0"/>
-                                          </p:stCondLst>
-                                        </p:cTn>
-                                        <p:tgtEl>
-                                          <p:spTgt spid="3">
-                                            <p:txEl>
-                                              <p:pRg st="4" end="4"/>
-                                            </p:txEl>
-                                          </p:spTgt>
-                                        </p:tgtEl>
-                                        <p:attrNameLst>
-                                          <p:attrName>style.visibility</p:attrName>
-                                        </p:attrNameLst>
-                                      </p:cBhvr>
-                                      <p:to>
-                                        <p:strVal val="visible"/>
-                                      </p:to>
-                                    </p:set>
-                                  </p:childTnLst>
-                                </p:cTn>
-                              </p:par>
-                            </p:childTnLst>
-                          </p:cTn>
-                        </p:par>
-                      </p:childTnLst>
-                    </p:cTn>
-                  </p:par>
-                  <p:par>
-                    <p:cTn id="19" fill="hold">
-                      <p:stCondLst>
-                        <p:cond delay="indefinite"/>
-                      </p:stCondLst>
-                      <p:childTnLst>
-                        <p:par>
-                          <p:cTn id="20" fill="hold">
-                            <p:stCondLst>
-                              <p:cond delay="0"/>
-                            </p:stCondLst>
-                            <p:childTnLst>
-                              <p:par>
-                                <p:cTn id="21" presetID="1" presetClass="entr" presetSubtype="0" fill="hold" grpId="0" nodeType="clickEffect">
-                                  <p:stCondLst>
-                                    <p:cond delay="0"/>
-                                  </p:stCondLst>
-                                  <p:childTnLst>
-                                    <p:set>
-                                      <p:cBhvr>
-                                        <p:cTn id="22" dur="1" fill="hold">
-                                          <p:stCondLst>
-                                            <p:cond delay="0"/>
-                                          </p:stCondLst>
-                                        </p:cTn>
-                                        <p:tgtEl>
-                                          <p:spTgt spid="3">
-                                            <p:txEl>
-                                              <p:pRg st="6" end="6"/>
-                                            </p:txEl>
-                                          </p:spTgt>
-                                        </p:tgtEl>
-                                        <p:attrNameLst>
-                                          <p:attrName>style.visibility</p:attrName>
-                                        </p:attrNameLst>
-                                      </p:cBhvr>
-                                      <p:to>
-                                        <p:strVal val="visible"/>
-                                      </p:to>
-                                    </p:set>
-                                  </p:childTnLst>
-                                </p:cTn>
-                              </p:par>
-                            </p:childTnLst>
-                          </p:cTn>
-                        </p:par>
-                      </p:childTnLst>
-                    </p:cTn>
-                  </p:par>
-                </p:childTnLst>
-              </p:cTn>
-              <p:prevCondLst>
-                <p:cond evt="onPrev" delay="0">
-                  <p:tgtEl>
-                    <p:sldTgt/>
-                  </p:tgtEl>
-                </p:cond>
-              </p:prevCondLst>
-              <p:nextCondLst>
-                <p:cond evt="onNext" delay="0">
-                  <p:tgtEl>
-                    <p:sldTgt/>
-                  </p:tgtEl>
-                </p:cond>
-              </p:nextCondLst>
-            </p:seq>
-          </p:childTnLst>
-        </p:cTn>
-      </p:par>
-    </p:tnLst>
-    <p:bldLst>
-      <p:bldP spid="3" grpId="0" build="p"/>
-    </p:bldLst>
-  </p:timing>
-</p:sld>
-</file>
-
-<file path=ppt/slides/slide13.xml><?xml version="1.0" encoding="utf-8"?>
-<p:sld xmlns:a="http://schemas.openxmlformats.org/drawingml/2006/main" xmlns:r="http://schemas.openxmlformats.org/officeDocument/2006/relationships" xmlns:p="http://schemas.openxmlformats.org/presentationml/2006/main">
-  <p:cSld>
-    <p:spTree>
-      <p:nvGrpSpPr>
-        <p:cNvPr id="1" name=""/>
-        <p:cNvGrpSpPr/>
-        <p:nvPr/>
-      </p:nvGrpSpPr>
-      <p:grpSpPr>
-        <a:xfrm>
-          <a:off x="0" y="0"/>
-          <a:ext cx="0" cy="0"/>
-          <a:chOff x="0" y="0"/>
-          <a:chExt cx="0" cy="0"/>
-        </a:xfrm>
-      </p:grpSpPr>
-      <p:sp>
-        <p:nvSpPr>
-          <p:cNvPr id="2" name="Title 1">
-            <a:extLst>
-              <a:ext uri="{FF2B5EF4-FFF2-40B4-BE49-F238E27FC236}">
-                <a16:creationId xmlns:a16="http://schemas.microsoft.com/office/drawing/2014/main" id="{755D8163-A272-A9CA-BEFA-8E1879EDAE9E}"/>
-              </a:ext>
-            </a:extLst>
-          </p:cNvPr>
-          <p:cNvSpPr>
-            <a:spLocks noGrp="1"/>
-          </p:cNvSpPr>
-          <p:nvPr>
-            <p:ph type="title"/>
-          </p:nvPr>
-        </p:nvSpPr>
-        <p:spPr/>
-        <p:txBody>
-          <a:bodyPr/>
-          <a:lstStyle/>
-          <a:p>
-            <a:r>
-              <a:rPr lang="en-US" dirty="0"/>
-              <a:t>The Code – Creating Our Function</a:t>
-            </a:r>
-          </a:p>
-        </p:txBody>
-      </p:sp>
-      <p:sp>
-        <p:nvSpPr>
-          <p:cNvPr id="6" name="Slide Number Placeholder 5">
-            <a:extLst>
-              <a:ext uri="{FF2B5EF4-FFF2-40B4-BE49-F238E27FC236}">
-                <a16:creationId xmlns:a16="http://schemas.microsoft.com/office/drawing/2014/main" id="{24FF01CD-01EF-0D01-D6F3-9B1C9CE8DF05}"/>
-              </a:ext>
-            </a:extLst>
-          </p:cNvPr>
-          <p:cNvSpPr>
-            <a:spLocks noGrp="1"/>
-          </p:cNvSpPr>
-          <p:nvPr>
-            <p:ph type="sldNum" sz="quarter" idx="4"/>
-          </p:nvPr>
-        </p:nvSpPr>
-        <p:spPr/>
-        <p:txBody>
-          <a:bodyPr/>
-          <a:lstStyle/>
-          <a:p>
-            <a:fld id="{294A09A9-5501-47C1-A89A-A340965A2BE2}" type="slidenum">
-              <a:rPr lang="en-US" smtClean="0"/>
-              <a:pPr/>
-              <a:t>13</a:t>
-            </a:fld>
-            <a:endParaRPr lang="en-US" dirty="0"/>
-          </a:p>
-        </p:txBody>
-      </p:sp>
-      <p:pic>
-        <p:nvPicPr>
-          <p:cNvPr id="12" name="Picture 11" descr="A picture containing text, screenshot, font, design&#10;&#10;Description automatically generated">
-            <a:extLst>
-              <a:ext uri="{FF2B5EF4-FFF2-40B4-BE49-F238E27FC236}">
-                <a16:creationId xmlns:a16="http://schemas.microsoft.com/office/drawing/2014/main" id="{13CBEE13-50E2-144A-70FE-8F7D86FDE90B}"/>
-              </a:ext>
-            </a:extLst>
-          </p:cNvPr>
-          <p:cNvPicPr>
-            <a:picLocks noChangeAspect="1"/>
-          </p:cNvPicPr>
-          <p:nvPr/>
-        </p:nvPicPr>
-        <p:blipFill>
-          <a:blip r:embed="rId2"/>
-          <a:stretch>
-            <a:fillRect/>
-          </a:stretch>
-        </p:blipFill>
-        <p:spPr>
-          <a:xfrm>
-            <a:off x="630714" y="1972092"/>
-            <a:ext cx="4346640" cy="2913814"/>
-          </a:xfrm>
-          <a:prstGeom prst="rect">
-            <a:avLst/>
-          </a:prstGeom>
-        </p:spPr>
-      </p:pic>
-      <p:pic>
-        <p:nvPicPr>
-          <p:cNvPr id="14" name="Picture 13" descr="A picture containing text, screenshot, font, graphics&#10;&#10;Description automatically generated">
-            <a:extLst>
-              <a:ext uri="{FF2B5EF4-FFF2-40B4-BE49-F238E27FC236}">
-                <a16:creationId xmlns:a16="http://schemas.microsoft.com/office/drawing/2014/main" id="{839D5016-6767-AFD2-5B18-D82FD029F336}"/>
-              </a:ext>
-            </a:extLst>
-          </p:cNvPr>
-          <p:cNvPicPr>
-            <a:picLocks noChangeAspect="1"/>
-          </p:cNvPicPr>
-          <p:nvPr/>
-        </p:nvPicPr>
-        <p:blipFill>
-          <a:blip r:embed="rId3"/>
-          <a:stretch>
-            <a:fillRect/>
-          </a:stretch>
-        </p:blipFill>
-        <p:spPr>
-          <a:xfrm>
-            <a:off x="4837762" y="1972092"/>
-            <a:ext cx="3226869" cy="2913815"/>
-          </a:xfrm>
-          <a:prstGeom prst="rect">
-            <a:avLst/>
-          </a:prstGeom>
-        </p:spPr>
-      </p:pic>
-      <p:pic>
-        <p:nvPicPr>
-          <p:cNvPr id="16" name="Picture 15" descr="A picture containing text, screenshot, font&#10;&#10;Description automatically generated">
-            <a:extLst>
-              <a:ext uri="{FF2B5EF4-FFF2-40B4-BE49-F238E27FC236}">
-                <a16:creationId xmlns:a16="http://schemas.microsoft.com/office/drawing/2014/main" id="{0A832E8D-7509-1D61-01A7-F515AC309109}"/>
-              </a:ext>
-            </a:extLst>
-          </p:cNvPr>
-          <p:cNvPicPr>
-            <a:picLocks noChangeAspect="1"/>
-          </p:cNvPicPr>
-          <p:nvPr/>
-        </p:nvPicPr>
-        <p:blipFill>
-          <a:blip r:embed="rId4"/>
-          <a:stretch>
-            <a:fillRect/>
-          </a:stretch>
-        </p:blipFill>
-        <p:spPr>
-          <a:xfrm>
-            <a:off x="7925039" y="1972092"/>
-            <a:ext cx="3636247" cy="2913814"/>
-          </a:xfrm>
-          <a:prstGeom prst="rect">
-            <a:avLst/>
-          </a:prstGeom>
-        </p:spPr>
-      </p:pic>
-      <p:sp>
-        <p:nvSpPr>
-          <p:cNvPr id="17" name="TextBox 16">
-            <a:extLst>
-              <a:ext uri="{FF2B5EF4-FFF2-40B4-BE49-F238E27FC236}">
-                <a16:creationId xmlns:a16="http://schemas.microsoft.com/office/drawing/2014/main" id="{7C52ACD9-7EBE-378E-C22C-28A14A9A271C}"/>
-              </a:ext>
-            </a:extLst>
-          </p:cNvPr>
-          <p:cNvSpPr txBox="1"/>
-          <p:nvPr/>
-        </p:nvSpPr>
-        <p:spPr>
-          <a:xfrm>
-            <a:off x="1241886" y="5956240"/>
-            <a:ext cx="9630393" cy="400110"/>
-          </a:xfrm>
-          <a:prstGeom prst="rect">
-            <a:avLst/>
-          </a:prstGeom>
-          <a:noFill/>
-        </p:spPr>
-        <p:txBody>
-          <a:bodyPr wrap="none" rtlCol="0">
-            <a:spAutoFit/>
-          </a:bodyPr>
-          <a:lstStyle/>
-          <a:p>
-            <a:r>
-              <a:rPr lang="en-US" sz="2000" dirty="0"/>
-              <a:t>Both #1 and #3 would technically work, but </a:t>
-            </a:r>
-            <a:r>
-              <a:rPr lang="en-US" sz="2000" dirty="0">
-                <a:solidFill>
-                  <a:srgbClr val="FF0000"/>
-                </a:solidFill>
-              </a:rPr>
-              <a:t>#1 is preferred </a:t>
-            </a:r>
-            <a:r>
-              <a:rPr lang="en-US" sz="2000" dirty="0"/>
-              <a:t>since it’s more descriptive</a:t>
-            </a:r>
-          </a:p>
-        </p:txBody>
-      </p:sp>
-    </p:spTree>
-    <p:extLst>
-      <p:ext uri="{BB962C8B-B14F-4D97-AF65-F5344CB8AC3E}">
-        <p14:creationId xmlns:p14="http://schemas.microsoft.com/office/powerpoint/2010/main" val="1330325812"/>
-      </p:ext>
-    </p:extLst>
-  </p:cSld>
-  <p:clrMapOvr>
-    <a:masterClrMapping/>
-  </p:clrMapOvr>
-  <p:timing>
-    <p:tnLst>
-      <p:par>
-        <p:cTn id="1" dur="indefinite" restart="never" nodeType="tmRoot">
-          <p:childTnLst>
-            <p:seq concurrent="1" nextAc="seek">
-              <p:cTn id="2" dur="indefinite" nodeType="mainSeq">
-                <p:childTnLst>
-                  <p:par>
-                    <p:cTn id="3" fill="hold">
-                      <p:stCondLst>
-                        <p:cond delay="indefinite"/>
-                      </p:stCondLst>
-                      <p:childTnLst>
-                        <p:par>
-                          <p:cTn id="4" fill="hold">
-                            <p:stCondLst>
-                              <p:cond delay="0"/>
-                            </p:stCondLst>
-                            <p:childTnLst>
-                              <p:par>
-                                <p:cTn id="5" presetID="10" presetClass="entr" presetSubtype="0" fill="hold" nodeType="clickEffect">
-                                  <p:stCondLst>
-                                    <p:cond delay="0"/>
-                                  </p:stCondLst>
-                                  <p:childTnLst>
-                                    <p:set>
-                                      <p:cBhvr>
-                                        <p:cTn id="6" dur="1" fill="hold">
-                                          <p:stCondLst>
-                                            <p:cond delay="0"/>
-                                          </p:stCondLst>
-                                        </p:cTn>
-                                        <p:tgtEl>
-                                          <p:spTgt spid="12"/>
-                                        </p:tgtEl>
-                                        <p:attrNameLst>
-                                          <p:attrName>style.visibility</p:attrName>
-                                        </p:attrNameLst>
-                                      </p:cBhvr>
-                                      <p:to>
-                                        <p:strVal val="visible"/>
-                                      </p:to>
-                                    </p:set>
-                                    <p:animEffect transition="in" filter="fade">
-                                      <p:cBhvr>
-                                        <p:cTn id="7" dur="500"/>
-                                        <p:tgtEl>
-                                          <p:spTgt spid="12"/>
-                                        </p:tgtEl>
-                                      </p:cBhvr>
-                                    </p:animEffect>
-                                  </p:childTnLst>
-                                </p:cTn>
-                              </p:par>
-                            </p:childTnLst>
-                          </p:cTn>
-                        </p:par>
-                      </p:childTnLst>
-                    </p:cTn>
-                  </p:par>
-                  <p:par>
-                    <p:cTn id="8" fill="hold">
-                      <p:stCondLst>
-                        <p:cond delay="indefinite"/>
-                      </p:stCondLst>
-                      <p:childTnLst>
-                        <p:par>
-                          <p:cTn id="9" fill="hold">
-                            <p:stCondLst>
-                              <p:cond delay="0"/>
-                            </p:stCondLst>
-                            <p:childTnLst>
-                              <p:par>
-                                <p:cTn id="10" presetID="10" presetClass="entr" presetSubtype="0" fill="hold" nodeType="clickEffect">
-                                  <p:stCondLst>
-                                    <p:cond delay="0"/>
-                                  </p:stCondLst>
-                                  <p:childTnLst>
-                                    <p:set>
-                                      <p:cBhvr>
-                                        <p:cTn id="11" dur="1" fill="hold">
-                                          <p:stCondLst>
-                                            <p:cond delay="0"/>
-                                          </p:stCondLst>
-                                        </p:cTn>
-                                        <p:tgtEl>
-                                          <p:spTgt spid="14"/>
-                                        </p:tgtEl>
-                                        <p:attrNameLst>
-                                          <p:attrName>style.visibility</p:attrName>
-                                        </p:attrNameLst>
-                                      </p:cBhvr>
-                                      <p:to>
-                                        <p:strVal val="visible"/>
-                                      </p:to>
-                                    </p:set>
-                                    <p:animEffect transition="in" filter="fade">
-                                      <p:cBhvr>
-                                        <p:cTn id="12" dur="500"/>
-                                        <p:tgtEl>
-                                          <p:spTgt spid="14"/>
-                                        </p:tgtEl>
-                                      </p:cBhvr>
-                                    </p:animEffect>
-                                  </p:childTnLst>
-                                </p:cTn>
-                              </p:par>
-                            </p:childTnLst>
-                          </p:cTn>
-                        </p:par>
-                      </p:childTnLst>
-                    </p:cTn>
-                  </p:par>
-                  <p:par>
-                    <p:cTn id="13" fill="hold">
-                      <p:stCondLst>
-                        <p:cond delay="indefinite"/>
-                      </p:stCondLst>
-                      <p:childTnLst>
-                        <p:par>
-                          <p:cTn id="14" fill="hold">
-                            <p:stCondLst>
-                              <p:cond delay="0"/>
-                            </p:stCondLst>
-                            <p:childTnLst>
-                              <p:par>
-                                <p:cTn id="15" presetID="10" presetClass="entr" presetSubtype="0" fill="hold" nodeType="clickEffect">
-                                  <p:stCondLst>
-                                    <p:cond delay="0"/>
-                                  </p:stCondLst>
-                                  <p:childTnLst>
-                                    <p:set>
-                                      <p:cBhvr>
-                                        <p:cTn id="16" dur="1" fill="hold">
-                                          <p:stCondLst>
-                                            <p:cond delay="0"/>
-                                          </p:stCondLst>
-                                        </p:cTn>
-                                        <p:tgtEl>
-                                          <p:spTgt spid="16"/>
-                                        </p:tgtEl>
-                                        <p:attrNameLst>
-                                          <p:attrName>style.visibility</p:attrName>
-                                        </p:attrNameLst>
-                                      </p:cBhvr>
-                                      <p:to>
-                                        <p:strVal val="visible"/>
-                                      </p:to>
-                                    </p:set>
-                                    <p:animEffect transition="in" filter="fade">
-                                      <p:cBhvr>
-                                        <p:cTn id="17" dur="500"/>
-                                        <p:tgtEl>
-                                          <p:spTgt spid="16"/>
-                                        </p:tgtEl>
-                                      </p:cBhvr>
-                                    </p:animEffect>
-                                  </p:childTnLst>
-                                </p:cTn>
-                              </p:par>
-                            </p:childTnLst>
-                          </p:cTn>
-                        </p:par>
-                      </p:childTnLst>
-                    </p:cTn>
-                  </p:par>
-                  <p:par>
-                    <p:cTn id="18" fill="hold">
-                      <p:stCondLst>
-                        <p:cond delay="indefinite"/>
-                      </p:stCondLst>
-                      <p:childTnLst>
-                        <p:par>
-                          <p:cTn id="19" fill="hold">
-                            <p:stCondLst>
-                              <p:cond delay="0"/>
-                            </p:stCondLst>
-                            <p:childTnLst>
-                              <p:par>
-                                <p:cTn id="20" presetID="1" presetClass="entr" presetSubtype="0" fill="hold" grpId="0" nodeType="clickEffect">
-                                  <p:stCondLst>
-                                    <p:cond delay="0"/>
-                                  </p:stCondLst>
-                                  <p:childTnLst>
-                                    <p:set>
-                                      <p:cBhvr>
-                                        <p:cTn id="21" dur="1" fill="hold">
-                                          <p:stCondLst>
-                                            <p:cond delay="0"/>
-                                          </p:stCondLst>
-                                        </p:cTn>
-                                        <p:tgtEl>
-                                          <p:spTgt spid="17"/>
-                                        </p:tgtEl>
-                                        <p:attrNameLst>
-                                          <p:attrName>style.visibility</p:attrName>
-                                        </p:attrNameLst>
-                                      </p:cBhvr>
-                                      <p:to>
-                                        <p:strVal val="visible"/>
-                                      </p:to>
-                                    </p:set>
-                                  </p:childTnLst>
-                                </p:cTn>
-                              </p:par>
-                            </p:childTnLst>
-                          </p:cTn>
-                        </p:par>
-                      </p:childTnLst>
-                    </p:cTn>
-                  </p:par>
-                </p:childTnLst>
-              </p:cTn>
-              <p:prevCondLst>
-                <p:cond evt="onPrev" delay="0">
-                  <p:tgtEl>
-                    <p:sldTgt/>
-                  </p:tgtEl>
-                </p:cond>
-              </p:prevCondLst>
-              <p:nextCondLst>
-                <p:cond evt="onNext" delay="0">
-                  <p:tgtEl>
-                    <p:sldTgt/>
-                  </p:tgtEl>
-                </p:cond>
-              </p:nextCondLst>
-            </p:seq>
-          </p:childTnLst>
-        </p:cTn>
-      </p:par>
-    </p:tnLst>
-    <p:bldLst>
-      <p:bldP spid="17" grpId="0"/>
-    </p:bldLst>
-  </p:timing>
-</p:sld>
-</file>
-
-<file path=ppt/slides/slide14.xml><?xml version="1.0" encoding="utf-8"?>
-<p:sld xmlns:a="http://schemas.openxmlformats.org/drawingml/2006/main" xmlns:r="http://schemas.openxmlformats.org/officeDocument/2006/relationships" xmlns:p="http://schemas.openxmlformats.org/presentationml/2006/main">
-  <p:cSld>
-    <p:spTree>
-      <p:nvGrpSpPr>
-        <p:cNvPr id="1" name=""/>
-        <p:cNvGrpSpPr/>
-        <p:nvPr/>
-      </p:nvGrpSpPr>
-      <p:grpSpPr>
-        <a:xfrm>
-          <a:off x="0" y="0"/>
-          <a:ext cx="0" cy="0"/>
-          <a:chOff x="0" y="0"/>
-          <a:chExt cx="0" cy="0"/>
-        </a:xfrm>
-      </p:grpSpPr>
-      <p:sp>
-        <p:nvSpPr>
-          <p:cNvPr id="2" name="Title 1">
-            <a:extLst>
-              <a:ext uri="{FF2B5EF4-FFF2-40B4-BE49-F238E27FC236}">
-                <a16:creationId xmlns:a16="http://schemas.microsoft.com/office/drawing/2014/main" id="{755D8163-A272-A9CA-BEFA-8E1879EDAE9E}"/>
-              </a:ext>
-            </a:extLst>
-          </p:cNvPr>
-          <p:cNvSpPr>
-            <a:spLocks noGrp="1"/>
-          </p:cNvSpPr>
-          <p:nvPr>
-            <p:ph type="title"/>
-          </p:nvPr>
-        </p:nvSpPr>
-        <p:spPr/>
-        <p:txBody>
-          <a:bodyPr/>
-          <a:lstStyle/>
-          <a:p>
-            <a:r>
-              <a:rPr lang="en-US" dirty="0"/>
-              <a:t>The Code – Getting Our Target</a:t>
-            </a:r>
-          </a:p>
-        </p:txBody>
-      </p:sp>
-      <p:sp>
-        <p:nvSpPr>
-          <p:cNvPr id="6" name="Slide Number Placeholder 5">
-            <a:extLst>
-              <a:ext uri="{FF2B5EF4-FFF2-40B4-BE49-F238E27FC236}">
-                <a16:creationId xmlns:a16="http://schemas.microsoft.com/office/drawing/2014/main" id="{24FF01CD-01EF-0D01-D6F3-9B1C9CE8DF05}"/>
-              </a:ext>
-            </a:extLst>
-          </p:cNvPr>
-          <p:cNvSpPr>
-            <a:spLocks noGrp="1"/>
-          </p:cNvSpPr>
-          <p:nvPr>
-            <p:ph type="sldNum" sz="quarter" idx="4"/>
-          </p:nvPr>
-        </p:nvSpPr>
-        <p:spPr/>
-        <p:txBody>
-          <a:bodyPr/>
-          <a:lstStyle/>
-          <a:p>
-            <a:fld id="{294A09A9-5501-47C1-A89A-A340965A2BE2}" type="slidenum">
-              <a:rPr lang="en-US" smtClean="0"/>
-              <a:pPr/>
-              <a:t>14</a:t>
             </a:fld>
             <a:endParaRPr lang="en-US" dirty="0"/>
           </a:p>
@@ -14383,7 +13363,7 @@
 </p:sld>
 </file>
 
-<file path=ppt/slides/slide15.xml><?xml version="1.0" encoding="utf-8"?>
+<file path=ppt/slides/slide11.xml><?xml version="1.0" encoding="utf-8"?>
 <p:sld xmlns:a="http://schemas.openxmlformats.org/drawingml/2006/main" xmlns:r="http://schemas.openxmlformats.org/officeDocument/2006/relationships" xmlns:p="http://schemas.openxmlformats.org/presentationml/2006/main">
   <p:cSld>
     <p:spTree>
@@ -14452,7 +13432,7 @@
             <a:fld id="{294A09A9-5501-47C1-A89A-A340965A2BE2}" type="slidenum">
               <a:rPr lang="en-US" smtClean="0"/>
               <a:pPr/>
-              <a:t>15</a:t>
+              <a:t>11</a:t>
             </a:fld>
             <a:endParaRPr lang="en-US" dirty="0"/>
           </a:p>
@@ -14516,8 +13496,8 @@
           </a:p>
         </p:txBody>
       </p:sp>
-      <mc:AlternateContent xmlns:mc="http://schemas.openxmlformats.org/markup-compatibility/2006">
-        <mc:Choice xmlns:p14="http://schemas.microsoft.com/office/powerpoint/2010/main" Requires="p14">
+      <mc:AlternateContent xmlns:mc="http://schemas.openxmlformats.org/markup-compatibility/2006" xmlns:p14="http://schemas.microsoft.com/office/powerpoint/2010/main">
+        <mc:Choice Requires="p14">
           <p:contentPart p14:bwMode="auto" r:id="rId2">
             <p14:nvContentPartPr>
               <p14:cNvPr id="7" name="Ink 6">
@@ -14536,7 +13516,7 @@
             </p14:xfrm>
           </p:contentPart>
         </mc:Choice>
-        <mc:Fallback>
+        <mc:Fallback xmlns="">
           <p:pic>
             <p:nvPicPr>
               <p:cNvPr id="7" name="Ink 6">
@@ -14567,8 +13547,8 @@
           </p:pic>
         </mc:Fallback>
       </mc:AlternateContent>
-      <mc:AlternateContent xmlns:mc="http://schemas.openxmlformats.org/markup-compatibility/2006">
-        <mc:Choice xmlns:p14="http://schemas.microsoft.com/office/powerpoint/2010/main" Requires="p14">
+      <mc:AlternateContent xmlns:mc="http://schemas.openxmlformats.org/markup-compatibility/2006" xmlns:p14="http://schemas.microsoft.com/office/powerpoint/2010/main">
+        <mc:Choice Requires="p14">
           <p:contentPart p14:bwMode="auto" r:id="rId4">
             <p14:nvContentPartPr>
               <p14:cNvPr id="8" name="Ink 7">
@@ -14587,7 +13567,7 @@
             </p14:xfrm>
           </p:contentPart>
         </mc:Choice>
-        <mc:Fallback>
+        <mc:Fallback xmlns="">
           <p:pic>
             <p:nvPicPr>
               <p:cNvPr id="8" name="Ink 7">
@@ -14815,7 +13795,7 @@
 </p:sld>
 </file>
 
-<file path=ppt/slides/slide16.xml><?xml version="1.0" encoding="utf-8"?>
+<file path=ppt/slides/slide12.xml><?xml version="1.0" encoding="utf-8"?>
 <p:sld xmlns:a="http://schemas.openxmlformats.org/drawingml/2006/main" xmlns:r="http://schemas.openxmlformats.org/officeDocument/2006/relationships" xmlns:p="http://schemas.openxmlformats.org/presentationml/2006/main">
   <p:cSld>
     <p:spTree>
@@ -14884,7 +13864,7 @@
             <a:fld id="{294A09A9-5501-47C1-A89A-A340965A2BE2}" type="slidenum">
               <a:rPr lang="en-US" smtClean="0"/>
               <a:pPr/>
-              <a:t>16</a:t>
+              <a:t>12</a:t>
             </a:fld>
             <a:endParaRPr lang="en-US" dirty="0"/>
           </a:p>
@@ -15260,7 +14240,7 @@
 </p:sld>
 </file>
 
-<file path=ppt/slides/slide17.xml><?xml version="1.0" encoding="utf-8"?>
+<file path=ppt/slides/slide13.xml><?xml version="1.0" encoding="utf-8"?>
 <p:sld xmlns:a="http://schemas.openxmlformats.org/drawingml/2006/main" xmlns:r="http://schemas.openxmlformats.org/officeDocument/2006/relationships" xmlns:p="http://schemas.openxmlformats.org/presentationml/2006/main">
   <p:cSld>
     <p:spTree>
@@ -15329,7 +14309,7 @@
             <a:fld id="{294A09A9-5501-47C1-A89A-A340965A2BE2}" type="slidenum">
               <a:rPr lang="en-US" smtClean="0"/>
               <a:pPr/>
-              <a:t>17</a:t>
+              <a:t>13</a:t>
             </a:fld>
             <a:endParaRPr lang="en-US" dirty="0"/>
           </a:p>
@@ -15556,7 +14536,7 @@
 </p:sld>
 </file>
 
-<file path=ppt/slides/slide18.xml><?xml version="1.0" encoding="utf-8"?>
+<file path=ppt/slides/slide14.xml><?xml version="1.0" encoding="utf-8"?>
 <p:sld xmlns:a="http://schemas.openxmlformats.org/drawingml/2006/main" xmlns:r="http://schemas.openxmlformats.org/officeDocument/2006/relationships" xmlns:p="http://schemas.openxmlformats.org/presentationml/2006/main">
   <p:cSld>
     <p:spTree>
@@ -15630,7 +14610,7 @@
             <a:fld id="{294A09A9-5501-47C1-A89A-A340965A2BE2}" type="slidenum">
               <a:rPr lang="en-US" smtClean="0"/>
               <a:pPr/>
-              <a:t>18</a:t>
+              <a:t>14</a:t>
             </a:fld>
             <a:endParaRPr lang="en-US" dirty="0"/>
           </a:p>
@@ -15831,7 +14811,7 @@
 </p:sld>
 </file>
 
-<file path=ppt/slides/slide19.xml><?xml version="1.0" encoding="utf-8"?>
+<file path=ppt/slides/slide15.xml><?xml version="1.0" encoding="utf-8"?>
 <p:sld xmlns:a="http://schemas.openxmlformats.org/drawingml/2006/main" xmlns:r="http://schemas.openxmlformats.org/officeDocument/2006/relationships" xmlns:p="http://schemas.openxmlformats.org/presentationml/2006/main">
   <p:cSld>
     <p:spTree>
@@ -15967,7 +14947,7 @@
             <a:fld id="{294A09A9-5501-47C1-A89A-A340965A2BE2}" type="slidenum">
               <a:rPr lang="en-US" smtClean="0"/>
               <a:pPr/>
-              <a:t>19</a:t>
+              <a:t>15</a:t>
             </a:fld>
             <a:endParaRPr lang="en-US" dirty="0"/>
           </a:p>
@@ -16264,7 +15244,7 @@
 </p:sld>
 </file>
 
-<file path=ppt/slides/slide2.xml><?xml version="1.0" encoding="utf-8"?>
+<file path=ppt/slides/slide16.xml><?xml version="1.0" encoding="utf-8"?>
 <p:sld xmlns:a="http://schemas.openxmlformats.org/drawingml/2006/main" xmlns:r="http://schemas.openxmlformats.org/officeDocument/2006/relationships" xmlns:p="http://schemas.openxmlformats.org/presentationml/2006/main">
   <p:cSld>
     <p:spTree>
@@ -16286,7 +15266,7 @@
           <p:cNvPr id="2" name="Title 1">
             <a:extLst>
               <a:ext uri="{FF2B5EF4-FFF2-40B4-BE49-F238E27FC236}">
-                <a16:creationId xmlns:a16="http://schemas.microsoft.com/office/drawing/2014/main" id="{912DF434-28DB-4621-A497-D62C41CE0419}"/>
+                <a16:creationId xmlns:a16="http://schemas.microsoft.com/office/drawing/2014/main" id="{5DC85697-916D-F5D1-CDC2-A2D3C9EBA13F}"/>
               </a:ext>
             </a:extLst>
           </p:cNvPr>
@@ -16294,32 +15274,27 @@
             <a:spLocks noGrp="1"/>
           </p:cNvSpPr>
           <p:nvPr>
-            <p:ph type="title"/>
+            <p:ph type="ctrTitle"/>
           </p:nvPr>
         </p:nvSpPr>
-        <p:spPr>
-          <a:xfrm>
-            <a:off x="1167492" y="381000"/>
-            <a:ext cx="9779183" cy="1325563"/>
-          </a:xfrm>
-        </p:spPr>
+        <p:spPr/>
         <p:txBody>
           <a:bodyPr/>
           <a:lstStyle/>
           <a:p>
             <a:r>
               <a:rPr lang="en-US" dirty="0"/>
-              <a:t>What is Control Theory?</a:t>
-            </a:r>
-          </a:p>
-        </p:txBody>
-      </p:sp>
-      <p:sp>
-        <p:nvSpPr>
-          <p:cNvPr id="3" name="Content Placeholder 2">
-            <a:extLst>
-              <a:ext uri="{FF2B5EF4-FFF2-40B4-BE49-F238E27FC236}">
-                <a16:creationId xmlns:a16="http://schemas.microsoft.com/office/drawing/2014/main" id="{22788C46-D0BC-4307-AE55-7601A139E7CB}"/>
+              <a:t>Slew</a:t>
+            </a:r>
+          </a:p>
+        </p:txBody>
+      </p:sp>
+      <p:sp>
+        <p:nvSpPr>
+          <p:cNvPr id="3" name="Subtitle 2">
+            <a:extLst>
+              <a:ext uri="{FF2B5EF4-FFF2-40B4-BE49-F238E27FC236}">
+                <a16:creationId xmlns:a16="http://schemas.microsoft.com/office/drawing/2014/main" id="{6A28A6F1-A36E-25A6-74D9-C409D423AAF6}"/>
               </a:ext>
             </a:extLst>
           </p:cNvPr>
@@ -16327,219 +15302,41 @@
             <a:spLocks noGrp="1"/>
           </p:cNvSpPr>
           <p:nvPr>
-            <p:ph idx="1"/>
+            <p:ph type="subTitle" idx="1"/>
           </p:nvPr>
         </p:nvSpPr>
-        <p:spPr>
-          <a:xfrm>
-            <a:off x="1167493" y="2017467"/>
-            <a:ext cx="9779182" cy="3366815"/>
-          </a:xfrm>
-        </p:spPr>
+        <p:spPr/>
         <p:txBody>
           <a:bodyPr vert="horz" lIns="91440" tIns="45720" rIns="91440" bIns="45720" rtlCol="0" anchor="t">
-            <a:normAutofit/>
+            <a:noAutofit/>
           </a:bodyPr>
           <a:lstStyle/>
           <a:p>
             <a:r>
               <a:rPr lang="en-US" dirty="0"/>
-              <a:t>In simple terms, Control Theory is the field of robotics that uses mathematics, physics, and other areas to manipulate the </a:t>
-            </a:r>
-            <a:r>
-              <a:rPr lang="en-US" dirty="0">
-                <a:solidFill>
-                  <a:srgbClr val="FF0000"/>
-                </a:solidFill>
-              </a:rPr>
-              <a:t>pose</a:t>
-            </a:r>
-            <a:r>
-              <a:rPr lang="en-US" dirty="0"/>
-              <a:t> of a robot.</a:t>
-            </a:r>
-          </a:p>
-        </p:txBody>
-      </p:sp>
-      <p:sp>
-        <p:nvSpPr>
-          <p:cNvPr id="6" name="Slide Number Placeholder 5">
-            <a:extLst>
-              <a:ext uri="{FF2B5EF4-FFF2-40B4-BE49-F238E27FC236}">
-                <a16:creationId xmlns:a16="http://schemas.microsoft.com/office/drawing/2014/main" id="{60D470D0-6D64-5E42-9515-048F8779CD5E}"/>
-              </a:ext>
-            </a:extLst>
-          </p:cNvPr>
-          <p:cNvSpPr>
-            <a:spLocks noGrp="1"/>
-          </p:cNvSpPr>
-          <p:nvPr>
-            <p:ph type="sldNum" sz="quarter" idx="4"/>
-          </p:nvPr>
-        </p:nvSpPr>
-        <p:spPr>
-          <a:xfrm>
-            <a:off x="10153276" y="6356350"/>
-            <a:ext cx="1657723" cy="365125"/>
-          </a:xfrm>
-        </p:spPr>
-        <p:txBody>
-          <a:bodyPr/>
-          <a:lstStyle/>
-          <a:p>
-            <a:fld id="{294A09A9-5501-47C1-A89A-A340965A2BE2}" type="slidenum">
-              <a:rPr lang="en-US" smtClean="0"/>
-              <a:pPr/>
-              <a:t>2</a:t>
-            </a:fld>
-            <a:endParaRPr lang="en-US" dirty="0"/>
-          </a:p>
-        </p:txBody>
-      </p:sp>
-      <p:sp>
-        <p:nvSpPr>
-          <p:cNvPr id="7" name="TextBox 6">
-            <a:extLst>
-              <a:ext uri="{FF2B5EF4-FFF2-40B4-BE49-F238E27FC236}">
-                <a16:creationId xmlns:a16="http://schemas.microsoft.com/office/drawing/2014/main" id="{596A789E-E644-6187-7EAD-0D4E2CCDD6B2}"/>
-              </a:ext>
-            </a:extLst>
-          </p:cNvPr>
-          <p:cNvSpPr txBox="1"/>
-          <p:nvPr/>
-        </p:nvSpPr>
-        <p:spPr>
-          <a:xfrm>
-            <a:off x="1167492" y="3700874"/>
-            <a:ext cx="7048020" cy="954107"/>
-          </a:xfrm>
-          <a:prstGeom prst="rect">
-            <a:avLst/>
-          </a:prstGeom>
-          <a:noFill/>
-        </p:spPr>
-        <p:txBody>
-          <a:bodyPr wrap="none" rtlCol="0">
-            <a:spAutoFit/>
-          </a:bodyPr>
-          <a:lstStyle/>
-          <a:p>
-            <a:r>
-              <a:rPr lang="en-US" sz="2800" dirty="0">
-                <a:solidFill>
-                  <a:srgbClr val="FF0000"/>
-                </a:solidFill>
-              </a:rPr>
-              <a:t>Pose </a:t>
-            </a:r>
-            <a:r>
-              <a:rPr lang="en-US" sz="2800" dirty="0">
-                <a:solidFill>
-                  <a:schemeClr val="bg2">
-                    <a:lumMod val="25000"/>
-                  </a:schemeClr>
-                </a:solidFill>
-              </a:rPr>
-              <a:t>= the position and rotation of an object</a:t>
-            </a:r>
-          </a:p>
-          <a:p>
-            <a:endParaRPr lang="en-US" sz="2800" dirty="0"/>
+              <a:t>Making your robot’s movement </a:t>
+            </a:r>
+            <a:r>
+              <a:rPr lang="en-US" i="1" dirty="0"/>
+              <a:t>smoother</a:t>
+            </a:r>
           </a:p>
         </p:txBody>
       </p:sp>
     </p:spTree>
     <p:extLst>
       <p:ext uri="{BB962C8B-B14F-4D97-AF65-F5344CB8AC3E}">
-        <p14:creationId xmlns:p14="http://schemas.microsoft.com/office/powerpoint/2010/main" val="1325608595"/>
+        <p14:creationId xmlns:p14="http://schemas.microsoft.com/office/powerpoint/2010/main" val="1817434636"/>
       </p:ext>
     </p:extLst>
   </p:cSld>
   <p:clrMapOvr>
     <a:masterClrMapping/>
   </p:clrMapOvr>
-  <p:timing>
-    <p:tnLst>
-      <p:par>
-        <p:cTn id="1" dur="indefinite" restart="never" nodeType="tmRoot">
-          <p:childTnLst>
-            <p:seq concurrent="1" nextAc="seek">
-              <p:cTn id="2" dur="indefinite" nodeType="mainSeq">
-                <p:childTnLst>
-                  <p:par>
-                    <p:cTn id="3" fill="hold">
-                      <p:stCondLst>
-                        <p:cond delay="indefinite"/>
-                      </p:stCondLst>
-                      <p:childTnLst>
-                        <p:par>
-                          <p:cTn id="4" fill="hold">
-                            <p:stCondLst>
-                              <p:cond delay="0"/>
-                            </p:stCondLst>
-                            <p:childTnLst>
-                              <p:par>
-                                <p:cTn id="5" presetID="1" presetClass="entr" presetSubtype="0" fill="hold" grpId="0" nodeType="clickEffect">
-                                  <p:stCondLst>
-                                    <p:cond delay="0"/>
-                                  </p:stCondLst>
-                                  <p:childTnLst>
-                                    <p:set>
-                                      <p:cBhvr>
-                                        <p:cTn id="6" dur="1" fill="hold">
-                                          <p:stCondLst>
-                                            <p:cond delay="0"/>
-                                          </p:stCondLst>
-                                        </p:cTn>
-                                        <p:tgtEl>
-                                          <p:spTgt spid="7"/>
-                                        </p:tgtEl>
-                                        <p:attrNameLst>
-                                          <p:attrName>style.visibility</p:attrName>
-                                        </p:attrNameLst>
-                                      </p:cBhvr>
-                                      <p:to>
-                                        <p:strVal val="visible"/>
-                                      </p:to>
-                                    </p:set>
-                                  </p:childTnLst>
-                                </p:cTn>
-                              </p:par>
-                            </p:childTnLst>
-                          </p:cTn>
-                        </p:par>
-                      </p:childTnLst>
-                    </p:cTn>
-                  </p:par>
-                </p:childTnLst>
-              </p:cTn>
-              <p:prevCondLst>
-                <p:cond evt="onPrev" delay="0">
-                  <p:tgtEl>
-                    <p:sldTgt/>
-                  </p:tgtEl>
-                </p:cond>
-              </p:prevCondLst>
-              <p:nextCondLst>
-                <p:cond evt="onNext" delay="0">
-                  <p:tgtEl>
-                    <p:sldTgt/>
-                  </p:tgtEl>
-                </p:cond>
-              </p:nextCondLst>
-            </p:seq>
-          </p:childTnLst>
-        </p:cTn>
-      </p:par>
-    </p:tnLst>
-    <p:bldLst>
-      <p:bldP spid="7" grpId="0"/>
-    </p:bldLst>
-  </p:timing>
 </p:sld>
 </file>
 
-<file path=ppt/slides/slide20.xml><?xml version="1.0" encoding="utf-8"?>
+<file path=ppt/slides/slide17.xml><?xml version="1.0" encoding="utf-8"?>
 <p:sld xmlns:a="http://schemas.openxmlformats.org/drawingml/2006/main" xmlns:r="http://schemas.openxmlformats.org/officeDocument/2006/relationships" xmlns:p="http://schemas.openxmlformats.org/presentationml/2006/main">
   <p:cSld>
     <p:spTree>
@@ -16561,97 +15358,6 @@
           <p:cNvPr id="2" name="Title 1">
             <a:extLst>
               <a:ext uri="{FF2B5EF4-FFF2-40B4-BE49-F238E27FC236}">
-                <a16:creationId xmlns:a16="http://schemas.microsoft.com/office/drawing/2014/main" id="{5DC85697-916D-F5D1-CDC2-A2D3C9EBA13F}"/>
-              </a:ext>
-            </a:extLst>
-          </p:cNvPr>
-          <p:cNvSpPr>
-            <a:spLocks noGrp="1"/>
-          </p:cNvSpPr>
-          <p:nvPr>
-            <p:ph type="ctrTitle"/>
-          </p:nvPr>
-        </p:nvSpPr>
-        <p:spPr/>
-        <p:txBody>
-          <a:bodyPr/>
-          <a:lstStyle/>
-          <a:p>
-            <a:r>
-              <a:rPr lang="en-US" dirty="0"/>
-              <a:t>Slew</a:t>
-            </a:r>
-          </a:p>
-        </p:txBody>
-      </p:sp>
-      <p:sp>
-        <p:nvSpPr>
-          <p:cNvPr id="3" name="Subtitle 2">
-            <a:extLst>
-              <a:ext uri="{FF2B5EF4-FFF2-40B4-BE49-F238E27FC236}">
-                <a16:creationId xmlns:a16="http://schemas.microsoft.com/office/drawing/2014/main" id="{6A28A6F1-A36E-25A6-74D9-C409D423AAF6}"/>
-              </a:ext>
-            </a:extLst>
-          </p:cNvPr>
-          <p:cNvSpPr>
-            <a:spLocks noGrp="1"/>
-          </p:cNvSpPr>
-          <p:nvPr>
-            <p:ph type="subTitle" idx="1"/>
-          </p:nvPr>
-        </p:nvSpPr>
-        <p:spPr/>
-        <p:txBody>
-          <a:bodyPr/>
-          <a:lstStyle/>
-          <a:p>
-            <a:r>
-              <a:rPr lang="en-US" dirty="0"/>
-              <a:t>Making your robot’s movement </a:t>
-            </a:r>
-            <a:r>
-              <a:rPr lang="en-US" i="1" dirty="0"/>
-              <a:t>fancy</a:t>
-            </a:r>
-            <a:endParaRPr lang="en-US" dirty="0"/>
-          </a:p>
-        </p:txBody>
-      </p:sp>
-    </p:spTree>
-    <p:extLst>
-      <p:ext uri="{BB962C8B-B14F-4D97-AF65-F5344CB8AC3E}">
-        <p14:creationId xmlns:p14="http://schemas.microsoft.com/office/powerpoint/2010/main" val="1817434636"/>
-      </p:ext>
-    </p:extLst>
-  </p:cSld>
-  <p:clrMapOvr>
-    <a:masterClrMapping/>
-  </p:clrMapOvr>
-</p:sld>
-</file>
-
-<file path=ppt/slides/slide21.xml><?xml version="1.0" encoding="utf-8"?>
-<p:sld xmlns:a="http://schemas.openxmlformats.org/drawingml/2006/main" xmlns:r="http://schemas.openxmlformats.org/officeDocument/2006/relationships" xmlns:p="http://schemas.openxmlformats.org/presentationml/2006/main">
-  <p:cSld>
-    <p:spTree>
-      <p:nvGrpSpPr>
-        <p:cNvPr id="1" name=""/>
-        <p:cNvGrpSpPr/>
-        <p:nvPr/>
-      </p:nvGrpSpPr>
-      <p:grpSpPr>
-        <a:xfrm>
-          <a:off x="0" y="0"/>
-          <a:ext cx="0" cy="0"/>
-          <a:chOff x="0" y="0"/>
-          <a:chExt cx="0" cy="0"/>
-        </a:xfrm>
-      </p:grpSpPr>
-      <p:sp>
-        <p:nvSpPr>
-          <p:cNvPr id="2" name="Title 1">
-            <a:extLst>
-              <a:ext uri="{FF2B5EF4-FFF2-40B4-BE49-F238E27FC236}">
                 <a16:creationId xmlns:a16="http://schemas.microsoft.com/office/drawing/2014/main" id="{8814F3C1-2B4D-541F-A11C-A1291EBAD05C}"/>
               </a:ext>
             </a:extLst>
@@ -16732,7 +15438,7 @@
             <a:fld id="{294A09A9-5501-47C1-A89A-A340965A2BE2}" type="slidenum">
               <a:rPr lang="en-US" smtClean="0"/>
               <a:pPr/>
-              <a:t>21</a:t>
+              <a:t>17</a:t>
             </a:fld>
             <a:endParaRPr lang="en-US" dirty="0"/>
           </a:p>
@@ -17031,7 +15737,7 @@
 </p:sld>
 </file>
 
-<file path=ppt/slides/slide22.xml><?xml version="1.0" encoding="utf-8"?>
+<file path=ppt/slides/slide18.xml><?xml version="1.0" encoding="utf-8"?>
 <p:sld xmlns:a="http://schemas.openxmlformats.org/drawingml/2006/main" xmlns:r="http://schemas.openxmlformats.org/officeDocument/2006/relationships" xmlns:p="http://schemas.openxmlformats.org/presentationml/2006/main">
   <p:cSld>
     <p:spTree>
@@ -17128,7 +15834,7 @@
             <a:fld id="{294A09A9-5501-47C1-A89A-A340965A2BE2}" type="slidenum">
               <a:rPr lang="en-US" smtClean="0"/>
               <a:pPr/>
-              <a:t>22</a:t>
+              <a:t>18</a:t>
             </a:fld>
             <a:endParaRPr lang="en-US" dirty="0"/>
           </a:p>
@@ -17177,7 +15883,7 @@
 </p:sld>
 </file>
 
-<file path=ppt/slides/slide23.xml><?xml version="1.0" encoding="utf-8"?>
+<file path=ppt/slides/slide19.xml><?xml version="1.0" encoding="utf-8"?>
 <p:sld xmlns:a="http://schemas.openxmlformats.org/drawingml/2006/main" xmlns:r="http://schemas.openxmlformats.org/officeDocument/2006/relationships" xmlns:p="http://schemas.openxmlformats.org/presentationml/2006/main">
   <p:cSld>
     <p:spTree>
@@ -17304,7 +16010,7 @@
             <a:fld id="{DD9C8446-696E-6942-B6C8-CC9CAD0B34E0}" type="datetime1">
               <a:rPr lang="en-US" smtClean="0"/>
               <a:pPr/>
-              <a:t>6/13/2023</a:t>
+              <a:t>6/16/2023</a:t>
             </a:fld>
             <a:endParaRPr lang="en-US" dirty="0"/>
           </a:p>
@@ -17334,7 +16040,7 @@
             <a:fld id="{294A09A9-5501-47C1-A89A-A340965A2BE2}" type="slidenum">
               <a:rPr lang="en-US" smtClean="0"/>
               <a:pPr/>
-              <a:t>23</a:t>
+              <a:t>19</a:t>
             </a:fld>
             <a:endParaRPr lang="en-US" dirty="0"/>
           </a:p>
@@ -17626,7 +16332,7 @@
 </p:sld>
 </file>
 
-<file path=ppt/slides/slide24.xml><?xml version="1.0" encoding="utf-8"?>
+<file path=ppt/slides/slide2.xml><?xml version="1.0" encoding="utf-8"?>
 <p:sld xmlns:a="http://schemas.openxmlformats.org/drawingml/2006/main" xmlns:r="http://schemas.openxmlformats.org/officeDocument/2006/relationships" xmlns:p="http://schemas.openxmlformats.org/presentationml/2006/main">
   <p:cSld>
     <p:spTree>
@@ -17648,7 +16354,7 @@
           <p:cNvPr id="2" name="Title 1">
             <a:extLst>
               <a:ext uri="{FF2B5EF4-FFF2-40B4-BE49-F238E27FC236}">
-                <a16:creationId xmlns:a16="http://schemas.microsoft.com/office/drawing/2014/main" id="{DA539174-D67C-D134-9B2E-7D9F45348554}"/>
+                <a16:creationId xmlns:a16="http://schemas.microsoft.com/office/drawing/2014/main" id="{912DF434-28DB-4621-A497-D62C41CE0419}"/>
               </a:ext>
             </a:extLst>
           </p:cNvPr>
@@ -17659,6 +16365,281 @@
             <p:ph type="title"/>
           </p:nvPr>
         </p:nvSpPr>
+        <p:spPr>
+          <a:xfrm>
+            <a:off x="1167492" y="381000"/>
+            <a:ext cx="9779183" cy="1325563"/>
+          </a:xfrm>
+        </p:spPr>
+        <p:txBody>
+          <a:bodyPr/>
+          <a:lstStyle/>
+          <a:p>
+            <a:r>
+              <a:rPr lang="en-US" dirty="0"/>
+              <a:t>What is Control Theory?</a:t>
+            </a:r>
+          </a:p>
+        </p:txBody>
+      </p:sp>
+      <p:sp>
+        <p:nvSpPr>
+          <p:cNvPr id="3" name="Content Placeholder 2">
+            <a:extLst>
+              <a:ext uri="{FF2B5EF4-FFF2-40B4-BE49-F238E27FC236}">
+                <a16:creationId xmlns:a16="http://schemas.microsoft.com/office/drawing/2014/main" id="{22788C46-D0BC-4307-AE55-7601A139E7CB}"/>
+              </a:ext>
+            </a:extLst>
+          </p:cNvPr>
+          <p:cNvSpPr>
+            <a:spLocks noGrp="1"/>
+          </p:cNvSpPr>
+          <p:nvPr>
+            <p:ph idx="1"/>
+          </p:nvPr>
+        </p:nvSpPr>
+        <p:spPr>
+          <a:xfrm>
+            <a:off x="1167493" y="2017467"/>
+            <a:ext cx="9779182" cy="3366815"/>
+          </a:xfrm>
+        </p:spPr>
+        <p:txBody>
+          <a:bodyPr vert="horz" lIns="91440" tIns="45720" rIns="91440" bIns="45720" rtlCol="0" anchor="t">
+            <a:normAutofit/>
+          </a:bodyPr>
+          <a:lstStyle/>
+          <a:p>
+            <a:r>
+              <a:rPr lang="en-US" dirty="0"/>
+              <a:t>In simple terms, Control Theory is the field of robotics that uses mathematics, physics, and other areas to manipulate the </a:t>
+            </a:r>
+            <a:r>
+              <a:rPr lang="en-US" dirty="0">
+                <a:solidFill>
+                  <a:srgbClr val="FF0000"/>
+                </a:solidFill>
+              </a:rPr>
+              <a:t>pose</a:t>
+            </a:r>
+            <a:r>
+              <a:rPr lang="en-US" dirty="0"/>
+              <a:t> of a robot.</a:t>
+            </a:r>
+          </a:p>
+        </p:txBody>
+      </p:sp>
+      <p:sp>
+        <p:nvSpPr>
+          <p:cNvPr id="6" name="Slide Number Placeholder 5">
+            <a:extLst>
+              <a:ext uri="{FF2B5EF4-FFF2-40B4-BE49-F238E27FC236}">
+                <a16:creationId xmlns:a16="http://schemas.microsoft.com/office/drawing/2014/main" id="{60D470D0-6D64-5E42-9515-048F8779CD5E}"/>
+              </a:ext>
+            </a:extLst>
+          </p:cNvPr>
+          <p:cNvSpPr>
+            <a:spLocks noGrp="1"/>
+          </p:cNvSpPr>
+          <p:nvPr>
+            <p:ph type="sldNum" sz="quarter" idx="4"/>
+          </p:nvPr>
+        </p:nvSpPr>
+        <p:spPr>
+          <a:xfrm>
+            <a:off x="10153276" y="6356350"/>
+            <a:ext cx="1657723" cy="365125"/>
+          </a:xfrm>
+        </p:spPr>
+        <p:txBody>
+          <a:bodyPr/>
+          <a:lstStyle/>
+          <a:p>
+            <a:fld id="{294A09A9-5501-47C1-A89A-A340965A2BE2}" type="slidenum">
+              <a:rPr lang="en-US" smtClean="0"/>
+              <a:pPr/>
+              <a:t>2</a:t>
+            </a:fld>
+            <a:endParaRPr lang="en-US" dirty="0"/>
+          </a:p>
+        </p:txBody>
+      </p:sp>
+      <p:sp>
+        <p:nvSpPr>
+          <p:cNvPr id="7" name="TextBox 6">
+            <a:extLst>
+              <a:ext uri="{FF2B5EF4-FFF2-40B4-BE49-F238E27FC236}">
+                <a16:creationId xmlns:a16="http://schemas.microsoft.com/office/drawing/2014/main" id="{596A789E-E644-6187-7EAD-0D4E2CCDD6B2}"/>
+              </a:ext>
+            </a:extLst>
+          </p:cNvPr>
+          <p:cNvSpPr txBox="1"/>
+          <p:nvPr/>
+        </p:nvSpPr>
+        <p:spPr>
+          <a:xfrm>
+            <a:off x="1167492" y="3700874"/>
+            <a:ext cx="7048020" cy="954107"/>
+          </a:xfrm>
+          <a:prstGeom prst="rect">
+            <a:avLst/>
+          </a:prstGeom>
+          <a:noFill/>
+        </p:spPr>
+        <p:txBody>
+          <a:bodyPr wrap="none" rtlCol="0">
+            <a:spAutoFit/>
+          </a:bodyPr>
+          <a:lstStyle/>
+          <a:p>
+            <a:r>
+              <a:rPr lang="en-US" sz="2800" dirty="0">
+                <a:solidFill>
+                  <a:srgbClr val="FF0000"/>
+                </a:solidFill>
+              </a:rPr>
+              <a:t>Pose </a:t>
+            </a:r>
+            <a:r>
+              <a:rPr lang="en-US" sz="2800" dirty="0">
+                <a:solidFill>
+                  <a:schemeClr val="bg2">
+                    <a:lumMod val="25000"/>
+                  </a:schemeClr>
+                </a:solidFill>
+              </a:rPr>
+              <a:t>= the position and rotation of an object</a:t>
+            </a:r>
+          </a:p>
+          <a:p>
+            <a:endParaRPr lang="en-US" sz="2800" dirty="0"/>
+          </a:p>
+        </p:txBody>
+      </p:sp>
+    </p:spTree>
+    <p:extLst>
+      <p:ext uri="{BB962C8B-B14F-4D97-AF65-F5344CB8AC3E}">
+        <p14:creationId xmlns:p14="http://schemas.microsoft.com/office/powerpoint/2010/main" val="1325608595"/>
+      </p:ext>
+    </p:extLst>
+  </p:cSld>
+  <p:clrMapOvr>
+    <a:masterClrMapping/>
+  </p:clrMapOvr>
+  <p:timing>
+    <p:tnLst>
+      <p:par>
+        <p:cTn id="1" dur="indefinite" restart="never" nodeType="tmRoot">
+          <p:childTnLst>
+            <p:seq concurrent="1" nextAc="seek">
+              <p:cTn id="2" dur="indefinite" nodeType="mainSeq">
+                <p:childTnLst>
+                  <p:par>
+                    <p:cTn id="3" fill="hold">
+                      <p:stCondLst>
+                        <p:cond delay="indefinite"/>
+                      </p:stCondLst>
+                      <p:childTnLst>
+                        <p:par>
+                          <p:cTn id="4" fill="hold">
+                            <p:stCondLst>
+                              <p:cond delay="0"/>
+                            </p:stCondLst>
+                            <p:childTnLst>
+                              <p:par>
+                                <p:cTn id="5" presetID="1" presetClass="entr" presetSubtype="0" fill="hold" grpId="0" nodeType="clickEffect">
+                                  <p:stCondLst>
+                                    <p:cond delay="0"/>
+                                  </p:stCondLst>
+                                  <p:childTnLst>
+                                    <p:set>
+                                      <p:cBhvr>
+                                        <p:cTn id="6" dur="1" fill="hold">
+                                          <p:stCondLst>
+                                            <p:cond delay="0"/>
+                                          </p:stCondLst>
+                                        </p:cTn>
+                                        <p:tgtEl>
+                                          <p:spTgt spid="7"/>
+                                        </p:tgtEl>
+                                        <p:attrNameLst>
+                                          <p:attrName>style.visibility</p:attrName>
+                                        </p:attrNameLst>
+                                      </p:cBhvr>
+                                      <p:to>
+                                        <p:strVal val="visible"/>
+                                      </p:to>
+                                    </p:set>
+                                  </p:childTnLst>
+                                </p:cTn>
+                              </p:par>
+                            </p:childTnLst>
+                          </p:cTn>
+                        </p:par>
+                      </p:childTnLst>
+                    </p:cTn>
+                  </p:par>
+                </p:childTnLst>
+              </p:cTn>
+              <p:prevCondLst>
+                <p:cond evt="onPrev" delay="0">
+                  <p:tgtEl>
+                    <p:sldTgt/>
+                  </p:tgtEl>
+                </p:cond>
+              </p:prevCondLst>
+              <p:nextCondLst>
+                <p:cond evt="onNext" delay="0">
+                  <p:tgtEl>
+                    <p:sldTgt/>
+                  </p:tgtEl>
+                </p:cond>
+              </p:nextCondLst>
+            </p:seq>
+          </p:childTnLst>
+        </p:cTn>
+      </p:par>
+    </p:tnLst>
+    <p:bldLst>
+      <p:bldP spid="7" grpId="0"/>
+    </p:bldLst>
+  </p:timing>
+</p:sld>
+</file>
+
+<file path=ppt/slides/slide20.xml><?xml version="1.0" encoding="utf-8"?>
+<p:sld xmlns:a="http://schemas.openxmlformats.org/drawingml/2006/main" xmlns:r="http://schemas.openxmlformats.org/officeDocument/2006/relationships" xmlns:p="http://schemas.openxmlformats.org/presentationml/2006/main">
+  <p:cSld>
+    <p:spTree>
+      <p:nvGrpSpPr>
+        <p:cNvPr id="1" name=""/>
+        <p:cNvGrpSpPr/>
+        <p:nvPr/>
+      </p:nvGrpSpPr>
+      <p:grpSpPr>
+        <a:xfrm>
+          <a:off x="0" y="0"/>
+          <a:ext cx="0" cy="0"/>
+          <a:chOff x="0" y="0"/>
+          <a:chExt cx="0" cy="0"/>
+        </a:xfrm>
+      </p:grpSpPr>
+      <p:sp>
+        <p:nvSpPr>
+          <p:cNvPr id="2" name="Title 1">
+            <a:extLst>
+              <a:ext uri="{FF2B5EF4-FFF2-40B4-BE49-F238E27FC236}">
+                <a16:creationId xmlns:a16="http://schemas.microsoft.com/office/drawing/2014/main" id="{DA539174-D67C-D134-9B2E-7D9F45348554}"/>
+              </a:ext>
+            </a:extLst>
+          </p:cNvPr>
+          <p:cNvSpPr>
+            <a:spLocks noGrp="1"/>
+          </p:cNvSpPr>
+          <p:nvPr>
+            <p:ph type="title"/>
+          </p:nvPr>
+        </p:nvSpPr>
         <p:spPr/>
         <p:txBody>
           <a:bodyPr/>
@@ -17695,7 +16676,7 @@
             <a:fld id="{DD9C8446-696E-6942-B6C8-CC9CAD0B34E0}" type="datetime1">
               <a:rPr lang="en-US" smtClean="0"/>
               <a:pPr/>
-              <a:t>6/13/2023</a:t>
+              <a:t>6/16/2023</a:t>
             </a:fld>
             <a:endParaRPr lang="en-US" dirty="0"/>
           </a:p>
@@ -17725,7 +16706,7 @@
             <a:fld id="{294A09A9-5501-47C1-A89A-A340965A2BE2}" type="slidenum">
               <a:rPr lang="en-US" smtClean="0"/>
               <a:pPr/>
-              <a:t>24</a:t>
+              <a:t>20</a:t>
             </a:fld>
             <a:endParaRPr lang="en-US" dirty="0"/>
           </a:p>
@@ -17808,7 +16789,7 @@
 </p:sld>
 </file>
 
-<file path=ppt/slides/slide25.xml><?xml version="1.0" encoding="utf-8"?>
+<file path=ppt/slides/slide21.xml><?xml version="1.0" encoding="utf-8"?>
 <p:sld xmlns:a="http://schemas.openxmlformats.org/drawingml/2006/main" xmlns:r="http://schemas.openxmlformats.org/officeDocument/2006/relationships" xmlns:p="http://schemas.openxmlformats.org/presentationml/2006/main">
   <p:cSld>
     <p:spTree>
@@ -17877,7 +16858,7 @@
             <a:fld id="{DD9C8446-696E-6942-B6C8-CC9CAD0B34E0}" type="datetime1">
               <a:rPr lang="en-US" smtClean="0"/>
               <a:pPr/>
-              <a:t>6/13/2023</a:t>
+              <a:t>6/16/2023</a:t>
             </a:fld>
             <a:endParaRPr lang="en-US" dirty="0"/>
           </a:p>
@@ -17907,7 +16888,7 @@
             <a:fld id="{294A09A9-5501-47C1-A89A-A340965A2BE2}" type="slidenum">
               <a:rPr lang="en-US" smtClean="0"/>
               <a:pPr/>
-              <a:t>25</a:t>
+              <a:t>21</a:t>
             </a:fld>
             <a:endParaRPr lang="en-US" dirty="0"/>
           </a:p>
@@ -18024,7 +17005,7 @@
           <a:noFill/>
         </p:spPr>
         <p:txBody>
-          <a:bodyPr wrap="square" rtlCol="0">
+          <a:bodyPr wrap="square" lIns="91440" tIns="45720" rIns="91440" bIns="45720" rtlCol="0" anchor="t">
             <a:spAutoFit/>
           </a:bodyPr>
           <a:lstStyle/>
@@ -18039,7 +17020,7 @@
                   <a:srgbClr val="00B0F0"/>
                 </a:solidFill>
               </a:rPr>
-              <a:t>negative numbers</a:t>
+              <a:t>decreasing values</a:t>
             </a:r>
             <a:r>
               <a:rPr lang="en-US" dirty="0"/>
@@ -18314,7 +17295,7 @@
 </p:sld>
 </file>
 
-<file path=ppt/slides/slide26.xml><?xml version="1.0" encoding="utf-8"?>
+<file path=ppt/slides/slide22.xml><?xml version="1.0" encoding="utf-8"?>
 <p:sld xmlns:a="http://schemas.openxmlformats.org/drawingml/2006/main" xmlns:r="http://schemas.openxmlformats.org/officeDocument/2006/relationships" xmlns:p="http://schemas.openxmlformats.org/presentationml/2006/main">
   <p:cSld>
     <p:spTree>
@@ -18449,7 +17430,7 @@
             <a:fld id="{F5592931-05C6-8543-8B6E-A8BD29BD5C2B}" type="datetime1">
               <a:rPr lang="en-US" smtClean="0"/>
               <a:pPr/>
-              <a:t>6/13/2023</a:t>
+              <a:t>6/16/2023</a:t>
             </a:fld>
             <a:endParaRPr lang="en-US" dirty="0"/>
           </a:p>
@@ -18479,7 +17460,7 @@
             <a:fld id="{294A09A9-5501-47C1-A89A-A340965A2BE2}" type="slidenum">
               <a:rPr lang="en-US" smtClean="0"/>
               <a:pPr/>
-              <a:t>26</a:t>
+              <a:t>22</a:t>
             </a:fld>
             <a:endParaRPr lang="en-US" dirty="0"/>
           </a:p>
@@ -18498,7 +17479,7 @@
 </p:sld>
 </file>
 
-<file path=ppt/slides/slide27.xml><?xml version="1.0" encoding="utf-8"?>
+<file path=ppt/slides/slide23.xml><?xml version="1.0" encoding="utf-8"?>
 <p:sld xmlns:a="http://schemas.openxmlformats.org/drawingml/2006/main" xmlns:r="http://schemas.openxmlformats.org/officeDocument/2006/relationships" xmlns:p="http://schemas.openxmlformats.org/presentationml/2006/main">
   <p:cSld>
     <p:spTree>
@@ -18607,7 +17588,7 @@
             <a:fld id="{F5592931-05C6-8543-8B6E-A8BD29BD5C2B}" type="datetime1">
               <a:rPr lang="en-US" smtClean="0"/>
               <a:pPr/>
-              <a:t>6/13/2023</a:t>
+              <a:t>6/16/2023</a:t>
             </a:fld>
             <a:endParaRPr lang="en-US" dirty="0"/>
           </a:p>
@@ -18637,7 +17618,7 @@
             <a:fld id="{294A09A9-5501-47C1-A89A-A340965A2BE2}" type="slidenum">
               <a:rPr lang="en-US" smtClean="0"/>
               <a:pPr/>
-              <a:t>27</a:t>
+              <a:t>23</a:t>
             </a:fld>
             <a:endParaRPr lang="en-US" dirty="0"/>
           </a:p>
@@ -19358,7 +18339,9 @@
         </p:nvSpPr>
         <p:spPr/>
         <p:txBody>
-          <a:bodyPr/>
+          <a:bodyPr vert="horz" lIns="91440" tIns="45720" rIns="91440" bIns="45720" rtlCol="0" anchor="t">
+            <a:noAutofit/>
+          </a:bodyPr>
           <a:lstStyle/>
           <a:p>
             <a:r>
@@ -19390,7 +18373,7 @@
             </a:r>
             <a:r>
               <a:rPr lang="en-US" sz="2000" dirty="0"/>
-              <a:t> than other types of controllers, but they </a:t>
+              <a:t> than other types of controllers, but they usually </a:t>
             </a:r>
             <a:r>
               <a:rPr lang="en-US" sz="2000" dirty="0">
@@ -20032,7 +19015,7 @@
           <p:cNvPr id="2" name="Title 1">
             <a:extLst>
               <a:ext uri="{FF2B5EF4-FFF2-40B4-BE49-F238E27FC236}">
-                <a16:creationId xmlns:a16="http://schemas.microsoft.com/office/drawing/2014/main" id="{69B1A24B-4CCB-18AB-4A96-D14113DE4470}"/>
+                <a16:creationId xmlns:a16="http://schemas.microsoft.com/office/drawing/2014/main" id="{02C7A93F-A375-4ABC-A681-FDF781195927}"/>
               </a:ext>
             </a:extLst>
           </p:cNvPr>
@@ -20050,17 +19033,17 @@
           <a:p>
             <a:r>
               <a:rPr lang="en-US" dirty="0"/>
-              <a:t>Code Reading Check!</a:t>
-            </a:r>
-          </a:p>
-        </p:txBody>
-      </p:sp>
-      <p:sp>
-        <p:nvSpPr>
-          <p:cNvPr id="3" name="Text Placeholder 2">
-            <a:extLst>
-              <a:ext uri="{FF2B5EF4-FFF2-40B4-BE49-F238E27FC236}">
-                <a16:creationId xmlns:a16="http://schemas.microsoft.com/office/drawing/2014/main" id="{F5931B2D-2257-EE35-ED5A-2936031C4693}"/>
+              <a:t>A Simple Closed-Loop Controller</a:t>
+            </a:r>
+          </a:p>
+        </p:txBody>
+      </p:sp>
+      <p:sp>
+        <p:nvSpPr>
+          <p:cNvPr id="3" name="Content Placeholder 2">
+            <a:extLst>
+              <a:ext uri="{FF2B5EF4-FFF2-40B4-BE49-F238E27FC236}">
+                <a16:creationId xmlns:a16="http://schemas.microsoft.com/office/drawing/2014/main" id="{82D79582-9BF0-BBD2-8687-E40E7AE47528}"/>
               </a:ext>
             </a:extLst>
           </p:cNvPr>
@@ -20068,7 +19051,7 @@
             <a:spLocks noGrp="1"/>
           </p:cNvSpPr>
           <p:nvPr>
-            <p:ph type="body" idx="1"/>
+            <p:ph idx="1"/>
           </p:nvPr>
         </p:nvSpPr>
         <p:spPr/>
@@ -20078,7 +19061,7 @@
           <a:p>
             <a:r>
               <a:rPr lang="en-US" dirty="0"/>
-              <a:t>I’ll assign numbers 1, 2, and 3 randomly.</a:t>
+              <a:t>In VEX, an effective autonomous program requires precise movement. We’ll write a simple controller that moves the robot to a target and stops when it gets there.</a:t>
             </a:r>
           </a:p>
         </p:txBody>
@@ -20088,7 +19071,7 @@
           <p:cNvPr id="6" name="Slide Number Placeholder 5">
             <a:extLst>
               <a:ext uri="{FF2B5EF4-FFF2-40B4-BE49-F238E27FC236}">
-                <a16:creationId xmlns:a16="http://schemas.microsoft.com/office/drawing/2014/main" id="{769FA0AE-8E07-5AA1-DC9A-13DF715B8D69}"/>
+                <a16:creationId xmlns:a16="http://schemas.microsoft.com/office/drawing/2014/main" id="{F694FB14-D1BF-7CDA-F69F-756CF193A52F}"/>
               </a:ext>
             </a:extLst>
           </p:cNvPr>
@@ -20096,7 +19079,7 @@
             <a:spLocks noGrp="1"/>
           </p:cNvSpPr>
           <p:nvPr>
-            <p:ph type="sldNum" sz="quarter" idx="12"/>
+            <p:ph type="sldNum" sz="quarter" idx="4"/>
           </p:nvPr>
         </p:nvSpPr>
         <p:spPr/>
@@ -20113,57 +19096,10 @@
           </a:p>
         </p:txBody>
       </p:sp>
-      <p:pic>
-        <p:nvPicPr>
-          <p:cNvPr id="2050" name="Picture 2">
-            <a:extLst>
-              <a:ext uri="{FF2B5EF4-FFF2-40B4-BE49-F238E27FC236}">
-                <a16:creationId xmlns:a16="http://schemas.microsoft.com/office/drawing/2014/main" id="{4C2588C6-DFED-09B7-C1B9-F53B942B2E8E}"/>
-              </a:ext>
-            </a:extLst>
-          </p:cNvPr>
-          <p:cNvPicPr>
-            <a:picLocks noChangeAspect="1" noChangeArrowheads="1"/>
-          </p:cNvPicPr>
-          <p:nvPr/>
-        </p:nvPicPr>
-        <p:blipFill>
-          <a:blip r:embed="rId2">
-            <a:extLst>
-              <a:ext uri="{28A0092B-C50C-407E-A947-70E740481C1C}">
-                <a14:useLocalDpi xmlns:a14="http://schemas.microsoft.com/office/drawing/2010/main" val="0"/>
-              </a:ext>
-            </a:extLst>
-          </a:blip>
-          <a:srcRect/>
-          <a:stretch>
-            <a:fillRect/>
-          </a:stretch>
-        </p:blipFill>
-        <p:spPr bwMode="auto">
-          <a:xfrm>
-            <a:off x="10091418" y="136525"/>
-            <a:ext cx="1866179" cy="1866179"/>
-          </a:xfrm>
-          <a:prstGeom prst="rect">
-            <a:avLst/>
-          </a:prstGeom>
-          <a:noFill/>
-          <a:extLst>
-            <a:ext uri="{909E8E84-426E-40DD-AFC4-6F175D3DCCD1}">
-              <a14:hiddenFill xmlns:a14="http://schemas.microsoft.com/office/drawing/2010/main">
-                <a:solidFill>
-                  <a:srgbClr val="FFFFFF"/>
-                </a:solidFill>
-              </a14:hiddenFill>
-            </a:ext>
-          </a:extLst>
-        </p:spPr>
-      </p:pic>
     </p:spTree>
     <p:extLst>
       <p:ext uri="{BB962C8B-B14F-4D97-AF65-F5344CB8AC3E}">
-        <p14:creationId xmlns:p14="http://schemas.microsoft.com/office/powerpoint/2010/main" val="946938292"/>
+        <p14:creationId xmlns:p14="http://schemas.microsoft.com/office/powerpoint/2010/main" val="2804262836"/>
       </p:ext>
     </p:extLst>
   </p:cSld>
@@ -20192,10 +19128,66 @@
       </p:grpSpPr>
       <p:sp>
         <p:nvSpPr>
-          <p:cNvPr id="8" name="Slide Number Placeholder 7">
-            <a:extLst>
-              <a:ext uri="{FF2B5EF4-FFF2-40B4-BE49-F238E27FC236}">
-                <a16:creationId xmlns:a16="http://schemas.microsoft.com/office/drawing/2014/main" id="{EEB8B2A6-D516-8888-1885-AD6C39AEEF24}"/>
+          <p:cNvPr id="2" name="Title 1">
+            <a:extLst>
+              <a:ext uri="{FF2B5EF4-FFF2-40B4-BE49-F238E27FC236}">
+                <a16:creationId xmlns:a16="http://schemas.microsoft.com/office/drawing/2014/main" id="{D78A9429-1467-3F7C-D4F3-1C396241C1CB}"/>
+              </a:ext>
+            </a:extLst>
+          </p:cNvPr>
+          <p:cNvSpPr>
+            <a:spLocks noGrp="1"/>
+          </p:cNvSpPr>
+          <p:nvPr>
+            <p:ph type="title"/>
+          </p:nvPr>
+        </p:nvSpPr>
+        <p:spPr/>
+        <p:txBody>
+          <a:bodyPr/>
+          <a:lstStyle/>
+          <a:p>
+            <a:r>
+              <a:rPr lang="en-US" dirty="0"/>
+              <a:t>How?</a:t>
+            </a:r>
+          </a:p>
+        </p:txBody>
+      </p:sp>
+      <p:sp>
+        <p:nvSpPr>
+          <p:cNvPr id="3" name="Text Placeholder 2">
+            <a:extLst>
+              <a:ext uri="{FF2B5EF4-FFF2-40B4-BE49-F238E27FC236}">
+                <a16:creationId xmlns:a16="http://schemas.microsoft.com/office/drawing/2014/main" id="{CD7B72D4-ED6D-D644-9A4E-9387E53E5B81}"/>
+              </a:ext>
+            </a:extLst>
+          </p:cNvPr>
+          <p:cNvSpPr>
+            <a:spLocks noGrp="1"/>
+          </p:cNvSpPr>
+          <p:nvPr>
+            <p:ph type="body" idx="1"/>
+          </p:nvPr>
+        </p:nvSpPr>
+        <p:spPr/>
+        <p:txBody>
+          <a:bodyPr/>
+          <a:lstStyle/>
+          <a:p>
+            <a:r>
+              <a:rPr lang="en-US" dirty="0"/>
+              <a:t>VEX Motors come with rotation sensors in them called “encoders”. These encoders return the current rotation of the motor, and we can use them to tell how close we are to our goal.</a:t>
+            </a:r>
+          </a:p>
+        </p:txBody>
+      </p:sp>
+      <p:sp>
+        <p:nvSpPr>
+          <p:cNvPr id="6" name="Slide Number Placeholder 5">
+            <a:extLst>
+              <a:ext uri="{FF2B5EF4-FFF2-40B4-BE49-F238E27FC236}">
+                <a16:creationId xmlns:a16="http://schemas.microsoft.com/office/drawing/2014/main" id="{F6C8E320-12B6-2002-792B-878A4F67A9F4}"/>
               </a:ext>
             </a:extLst>
           </p:cNvPr>
@@ -20220,128 +19212,10 @@
           </a:p>
         </p:txBody>
       </p:sp>
-      <p:sp>
-        <p:nvSpPr>
-          <p:cNvPr id="9" name="TextBox 8">
-            <a:extLst>
-              <a:ext uri="{FF2B5EF4-FFF2-40B4-BE49-F238E27FC236}">
-                <a16:creationId xmlns:a16="http://schemas.microsoft.com/office/drawing/2014/main" id="{170ACE12-BF53-8EED-13B2-C64B203ADC5D}"/>
-              </a:ext>
-            </a:extLst>
-          </p:cNvPr>
-          <p:cNvSpPr txBox="1"/>
-          <p:nvPr/>
-        </p:nvSpPr>
-        <p:spPr>
-          <a:xfrm>
-            <a:off x="316524" y="79131"/>
-            <a:ext cx="1266693" cy="1200329"/>
-          </a:xfrm>
-          <a:prstGeom prst="rect">
-            <a:avLst/>
-          </a:prstGeom>
-          <a:noFill/>
-        </p:spPr>
-        <p:txBody>
-          <a:bodyPr wrap="none" rtlCol="0">
-            <a:spAutoFit/>
-          </a:bodyPr>
-          <a:lstStyle/>
-          <a:p>
-            <a:r>
-              <a:rPr lang="en-US" sz="7200" dirty="0">
-                <a:solidFill>
-                  <a:schemeClr val="bg1">
-                    <a:lumMod val="95000"/>
-                  </a:schemeClr>
-                </a:solidFill>
-              </a:rPr>
-              <a:t>#1</a:t>
-            </a:r>
-          </a:p>
-        </p:txBody>
-      </p:sp>
-      <p:sp>
-        <p:nvSpPr>
-          <p:cNvPr id="10" name="TextBox 9">
-            <a:extLst>
-              <a:ext uri="{FF2B5EF4-FFF2-40B4-BE49-F238E27FC236}">
-                <a16:creationId xmlns:a16="http://schemas.microsoft.com/office/drawing/2014/main" id="{79D890FE-A2D0-BD68-A46B-68E3DBE7F68F}"/>
-              </a:ext>
-            </a:extLst>
-          </p:cNvPr>
-          <p:cNvSpPr txBox="1"/>
-          <p:nvPr/>
-        </p:nvSpPr>
-        <p:spPr>
-          <a:xfrm>
-            <a:off x="3630421" y="2644170"/>
-            <a:ext cx="4931158" cy="1569660"/>
-          </a:xfrm>
-          <a:prstGeom prst="rect">
-            <a:avLst/>
-          </a:prstGeom>
-          <a:solidFill>
-            <a:schemeClr val="bg2">
-              <a:lumMod val="50000"/>
-            </a:schemeClr>
-          </a:solidFill>
-          <a:ln>
-            <a:solidFill>
-              <a:schemeClr val="tx1"/>
-            </a:solidFill>
-          </a:ln>
-        </p:spPr>
-        <p:txBody>
-          <a:bodyPr wrap="none" rtlCol="0">
-            <a:spAutoFit/>
-          </a:bodyPr>
-          <a:lstStyle/>
-          <a:p>
-            <a:r>
-              <a:rPr lang="en-US" sz="3200" dirty="0">
-                <a:solidFill>
-                  <a:schemeClr val="bg1">
-                    <a:lumMod val="95000"/>
-                  </a:schemeClr>
-                </a:solidFill>
-                <a:latin typeface="Consolas" panose="020B0609020204030204" pitchFamily="49" charset="0"/>
-              </a:rPr>
-              <a:t>void turn lint deg) {</a:t>
-            </a:r>
-          </a:p>
-          <a:p>
-            <a:r>
-              <a:rPr lang="en-US" sz="3200" dirty="0">
-                <a:solidFill>
-                  <a:schemeClr val="bg1">
-                    <a:lumMod val="95000"/>
-                  </a:schemeClr>
-                </a:solidFill>
-                <a:latin typeface="Consolas" panose="020B0609020204030204" pitchFamily="49" charset="0"/>
-              </a:rPr>
-              <a:t>	break;</a:t>
-            </a:r>
-          </a:p>
-          <a:p>
-            <a:r>
-              <a:rPr lang="en-US" sz="3200" dirty="0">
-                <a:solidFill>
-                  <a:schemeClr val="bg1">
-                    <a:lumMod val="95000"/>
-                  </a:schemeClr>
-                </a:solidFill>
-                <a:latin typeface="Consolas" panose="020B0609020204030204" pitchFamily="49" charset="0"/>
-              </a:rPr>
-              <a:t>}</a:t>
-            </a:r>
-          </a:p>
-        </p:txBody>
-      </p:sp>
     </p:spTree>
     <p:extLst>
       <p:ext uri="{BB962C8B-B14F-4D97-AF65-F5344CB8AC3E}">
-        <p14:creationId xmlns:p14="http://schemas.microsoft.com/office/powerpoint/2010/main" val="173991977"/>
+        <p14:creationId xmlns:p14="http://schemas.microsoft.com/office/powerpoint/2010/main" val="1497598497"/>
       </p:ext>
     </p:extLst>
   </p:cSld>
@@ -20370,10 +19244,10 @@
       </p:grpSpPr>
       <p:sp>
         <p:nvSpPr>
-          <p:cNvPr id="8" name="Slide Number Placeholder 7">
-            <a:extLst>
-              <a:ext uri="{FF2B5EF4-FFF2-40B4-BE49-F238E27FC236}">
-                <a16:creationId xmlns:a16="http://schemas.microsoft.com/office/drawing/2014/main" id="{EEB8B2A6-D516-8888-1885-AD6C39AEEF24}"/>
+          <p:cNvPr id="2" name="Title 1">
+            <a:extLst>
+              <a:ext uri="{FF2B5EF4-FFF2-40B4-BE49-F238E27FC236}">
+                <a16:creationId xmlns:a16="http://schemas.microsoft.com/office/drawing/2014/main" id="{5651827D-02A2-943F-DA12-649F1361C1EE}"/>
               </a:ext>
             </a:extLst>
           </p:cNvPr>
@@ -20381,7 +19255,7 @@
             <a:spLocks noGrp="1"/>
           </p:cNvSpPr>
           <p:nvPr>
-            <p:ph type="sldNum" sz="quarter" idx="12"/>
+            <p:ph type="title"/>
           </p:nvPr>
         </p:nvSpPr>
         <p:spPr/>
@@ -20389,166 +19263,382 @@
           <a:bodyPr/>
           <a:lstStyle/>
           <a:p>
-            <a:fld id="{294A09A9-5501-47C1-A89A-A340965A2BE2}" type="slidenum">
-              <a:rPr lang="en-US" smtClean="0"/>
-              <a:pPr/>
-              <a:t>8</a:t>
-            </a:fld>
+            <a:r>
+              <a:rPr lang="en-US" dirty="0"/>
+              <a:t>Steps</a:t>
+            </a:r>
+          </a:p>
+        </p:txBody>
+      </p:sp>
+      <p:sp>
+        <p:nvSpPr>
+          <p:cNvPr id="3" name="Content Placeholder 2">
+            <a:extLst>
+              <a:ext uri="{FF2B5EF4-FFF2-40B4-BE49-F238E27FC236}">
+                <a16:creationId xmlns:a16="http://schemas.microsoft.com/office/drawing/2014/main" id="{EE3469FE-63D1-AD66-8883-282C4C2B8783}"/>
+              </a:ext>
+            </a:extLst>
+          </p:cNvPr>
+          <p:cNvSpPr>
+            <a:spLocks noGrp="1"/>
+          </p:cNvSpPr>
+          <p:nvPr>
+            <p:ph idx="1"/>
+          </p:nvPr>
+        </p:nvSpPr>
+        <p:spPr/>
+        <p:txBody>
+          <a:bodyPr/>
+          <a:lstStyle/>
+          <a:p>
+            <a:r>
+              <a:rPr lang="en-US" dirty="0"/>
+              <a:t>Let’s develop a plan for building this controller.</a:t>
+            </a:r>
+          </a:p>
+          <a:p>
             <a:endParaRPr lang="en-US" dirty="0"/>
           </a:p>
-        </p:txBody>
-      </p:sp>
-      <p:sp>
-        <p:nvSpPr>
-          <p:cNvPr id="9" name="TextBox 8">
-            <a:extLst>
-              <a:ext uri="{FF2B5EF4-FFF2-40B4-BE49-F238E27FC236}">
-                <a16:creationId xmlns:a16="http://schemas.microsoft.com/office/drawing/2014/main" id="{170ACE12-BF53-8EED-13B2-C64B203ADC5D}"/>
-              </a:ext>
-            </a:extLst>
-          </p:cNvPr>
-          <p:cNvSpPr txBox="1"/>
-          <p:nvPr/>
-        </p:nvSpPr>
-        <p:spPr>
-          <a:xfrm>
-            <a:off x="316524" y="79131"/>
-            <a:ext cx="1266693" cy="1200329"/>
-          </a:xfrm>
-          <a:prstGeom prst="rect">
-            <a:avLst/>
-          </a:prstGeom>
-          <a:noFill/>
-        </p:spPr>
-        <p:txBody>
-          <a:bodyPr wrap="none" rtlCol="0">
-            <a:spAutoFit/>
-          </a:bodyPr>
-          <a:lstStyle/>
-          <a:p>
-            <a:r>
-              <a:rPr lang="en-US" sz="7200" dirty="0">
-                <a:solidFill>
-                  <a:schemeClr val="bg1">
-                    <a:lumMod val="95000"/>
-                  </a:schemeClr>
-                </a:solidFill>
-              </a:rPr>
-              <a:t>#2</a:t>
-            </a:r>
-          </a:p>
-        </p:txBody>
-      </p:sp>
-      <p:sp>
-        <p:nvSpPr>
-          <p:cNvPr id="10" name="TextBox 9">
-            <a:extLst>
-              <a:ext uri="{FF2B5EF4-FFF2-40B4-BE49-F238E27FC236}">
-                <a16:creationId xmlns:a16="http://schemas.microsoft.com/office/drawing/2014/main" id="{79D890FE-A2D0-BD68-A46B-68E3DBE7F68F}"/>
-              </a:ext>
-            </a:extLst>
-          </p:cNvPr>
-          <p:cNvSpPr txBox="1"/>
-          <p:nvPr/>
-        </p:nvSpPr>
-        <p:spPr>
-          <a:xfrm>
-            <a:off x="4072849" y="2151727"/>
-            <a:ext cx="4046301" cy="2554545"/>
-          </a:xfrm>
-          <a:prstGeom prst="rect">
-            <a:avLst/>
-          </a:prstGeom>
-          <a:solidFill>
-            <a:schemeClr val="bg2">
-              <a:lumMod val="50000"/>
-            </a:schemeClr>
-          </a:solidFill>
-          <a:ln>
-            <a:solidFill>
-              <a:schemeClr val="tx1"/>
-            </a:solidFill>
-          </a:ln>
-        </p:spPr>
-        <p:txBody>
-          <a:bodyPr wrap="none" rtlCol="0">
-            <a:spAutoFit/>
-          </a:bodyPr>
-          <a:lstStyle/>
-          <a:p>
-            <a:r>
-              <a:rPr lang="en-US" sz="3200" dirty="0">
-                <a:solidFill>
-                  <a:schemeClr val="bg1">
-                    <a:lumMod val="95000"/>
-                  </a:schemeClr>
-                </a:solidFill>
-                <a:latin typeface="Consolas" panose="020B0609020204030204" pitchFamily="49" charset="0"/>
-              </a:rPr>
-              <a:t>int x = 4;</a:t>
-            </a:r>
-          </a:p>
-          <a:p>
-            <a:endParaRPr lang="en-US" sz="3200" dirty="0">
-              <a:solidFill>
-                <a:schemeClr val="bg1">
-                  <a:lumMod val="95000"/>
-                </a:schemeClr>
-              </a:solidFill>
-              <a:latin typeface="Consolas" panose="020B0609020204030204" pitchFamily="49" charset="0"/>
-            </a:endParaRPr>
-          </a:p>
-          <a:p>
-            <a:r>
-              <a:rPr lang="en-US" sz="3200" dirty="0">
-                <a:solidFill>
-                  <a:schemeClr val="bg1">
-                    <a:lumMod val="95000"/>
-                  </a:schemeClr>
-                </a:solidFill>
-                <a:latin typeface="Consolas" panose="020B0609020204030204" pitchFamily="49" charset="0"/>
-              </a:rPr>
-              <a:t>if (x == 4) {</a:t>
-            </a:r>
-          </a:p>
-          <a:p>
-            <a:r>
-              <a:rPr lang="en-US" sz="3200" dirty="0">
-                <a:solidFill>
-                  <a:schemeClr val="bg1">
-                    <a:lumMod val="95000"/>
-                  </a:schemeClr>
-                </a:solidFill>
-                <a:latin typeface="Consolas" panose="020B0609020204030204" pitchFamily="49" charset="0"/>
-              </a:rPr>
-              <a:t>	wait(1, sec);</a:t>
-            </a:r>
-          </a:p>
-          <a:p>
-            <a:r>
-              <a:rPr lang="en-US" sz="3200" dirty="0">
-                <a:solidFill>
-                  <a:schemeClr val="bg1">
-                    <a:lumMod val="95000"/>
-                  </a:schemeClr>
-                </a:solidFill>
-                <a:latin typeface="Consolas" panose="020B0609020204030204" pitchFamily="49" charset="0"/>
-              </a:rPr>
-              <a:t>}</a:t>
-            </a:r>
+          <a:p>
+            <a:pPr marL="514350" indent="-514350">
+              <a:buFont typeface="+mj-lt"/>
+              <a:buAutoNum type="arabicPeriod"/>
+            </a:pPr>
+            <a:r>
+              <a:rPr lang="en-US" dirty="0"/>
+              <a:t>Get the current position of our motor</a:t>
+            </a:r>
+          </a:p>
+          <a:p>
+            <a:pPr marL="514350" indent="-514350">
+              <a:buFont typeface="+mj-lt"/>
+              <a:buAutoNum type="arabicPeriod"/>
+            </a:pPr>
+            <a:r>
+              <a:rPr lang="en-US" dirty="0"/>
+              <a:t>Get the “error” by subtracting the goal from the current position</a:t>
+            </a:r>
+          </a:p>
+          <a:p>
+            <a:pPr marL="514350" indent="-514350">
+              <a:buFont typeface="+mj-lt"/>
+              <a:buAutoNum type="arabicPeriod"/>
+            </a:pPr>
+            <a:r>
+              <a:rPr lang="en-US" dirty="0"/>
+              <a:t>Move the robot forward until we reach the target, then exit</a:t>
+            </a:r>
+          </a:p>
+          <a:p>
+            <a:pPr marL="514350" indent="-514350">
+              <a:buFont typeface="+mj-lt"/>
+              <a:buAutoNum type="arabicPeriod"/>
+            </a:pPr>
+            <a:endParaRPr lang="en-US" dirty="0"/>
+          </a:p>
+          <a:p>
+            <a:r>
+              <a:rPr lang="en-US" dirty="0"/>
+              <a:t>Wait… what happens if the target is behind our robot?</a:t>
+            </a:r>
+          </a:p>
+          <a:p>
+            <a:pPr marL="514350" indent="-514350">
+              <a:buFont typeface="+mj-lt"/>
+              <a:buAutoNum type="arabicPeriod"/>
+            </a:pPr>
+            <a:endParaRPr lang="en-US" dirty="0"/>
           </a:p>
         </p:txBody>
       </p:sp>
     </p:spTree>
     <p:extLst>
       <p:ext uri="{BB962C8B-B14F-4D97-AF65-F5344CB8AC3E}">
-        <p14:creationId xmlns:p14="http://schemas.microsoft.com/office/powerpoint/2010/main" val="2809707574"/>
+        <p14:creationId xmlns:p14="http://schemas.microsoft.com/office/powerpoint/2010/main" val="968927304"/>
       </p:ext>
     </p:extLst>
   </p:cSld>
   <p:clrMapOvr>
     <a:masterClrMapping/>
   </p:clrMapOvr>
+  <p:timing>
+    <p:tnLst>
+      <p:par>
+        <p:cTn id="1" dur="indefinite" restart="never" nodeType="tmRoot">
+          <p:childTnLst>
+            <p:seq concurrent="1" nextAc="seek">
+              <p:cTn id="2" dur="indefinite" nodeType="mainSeq">
+                <p:childTnLst>
+                  <p:par>
+                    <p:cTn id="3" fill="hold">
+                      <p:stCondLst>
+                        <p:cond delay="indefinite"/>
+                      </p:stCondLst>
+                      <p:childTnLst>
+                        <p:par>
+                          <p:cTn id="4" fill="hold">
+                            <p:stCondLst>
+                              <p:cond delay="0"/>
+                            </p:stCondLst>
+                            <p:childTnLst>
+                              <p:par>
+                                <p:cTn id="5" presetID="1" presetClass="entr" presetSubtype="0" fill="hold" grpId="0" nodeType="clickEffect">
+                                  <p:stCondLst>
+                                    <p:cond delay="0"/>
+                                  </p:stCondLst>
+                                  <p:childTnLst>
+                                    <p:set>
+                                      <p:cBhvr>
+                                        <p:cTn id="6" dur="1" fill="hold">
+                                          <p:stCondLst>
+                                            <p:cond delay="0"/>
+                                          </p:stCondLst>
+                                        </p:cTn>
+                                        <p:tgtEl>
+                                          <p:spTgt spid="3">
+                                            <p:txEl>
+                                              <p:pRg st="0" end="0"/>
+                                            </p:txEl>
+                                          </p:spTgt>
+                                        </p:tgtEl>
+                                        <p:attrNameLst>
+                                          <p:attrName>style.visibility</p:attrName>
+                                        </p:attrNameLst>
+                                      </p:cBhvr>
+                                      <p:to>
+                                        <p:strVal val="visible"/>
+                                      </p:to>
+                                    </p:set>
+                                  </p:childTnLst>
+                                </p:cTn>
+                              </p:par>
+                            </p:childTnLst>
+                          </p:cTn>
+                        </p:par>
+                      </p:childTnLst>
+                    </p:cTn>
+                  </p:par>
+                  <p:par>
+                    <p:cTn id="7" fill="hold">
+                      <p:stCondLst>
+                        <p:cond delay="indefinite"/>
+                      </p:stCondLst>
+                      <p:childTnLst>
+                        <p:par>
+                          <p:cTn id="8" fill="hold">
+                            <p:stCondLst>
+                              <p:cond delay="0"/>
+                            </p:stCondLst>
+                            <p:childTnLst>
+                              <p:par>
+                                <p:cTn id="9" presetID="1" presetClass="entr" presetSubtype="0" fill="hold" grpId="0" nodeType="clickEffect">
+                                  <p:stCondLst>
+                                    <p:cond delay="0"/>
+                                  </p:stCondLst>
+                                  <p:childTnLst>
+                                    <p:set>
+                                      <p:cBhvr>
+                                        <p:cTn id="10" dur="1" fill="hold">
+                                          <p:stCondLst>
+                                            <p:cond delay="0"/>
+                                          </p:stCondLst>
+                                        </p:cTn>
+                                        <p:tgtEl>
+                                          <p:spTgt spid="3">
+                                            <p:txEl>
+                                              <p:pRg st="2" end="2"/>
+                                            </p:txEl>
+                                          </p:spTgt>
+                                        </p:tgtEl>
+                                        <p:attrNameLst>
+                                          <p:attrName>style.visibility</p:attrName>
+                                        </p:attrNameLst>
+                                      </p:cBhvr>
+                                      <p:to>
+                                        <p:strVal val="visible"/>
+                                      </p:to>
+                                    </p:set>
+                                  </p:childTnLst>
+                                </p:cTn>
+                              </p:par>
+                            </p:childTnLst>
+                          </p:cTn>
+                        </p:par>
+                      </p:childTnLst>
+                    </p:cTn>
+                  </p:par>
+                  <p:par>
+                    <p:cTn id="11" fill="hold">
+                      <p:stCondLst>
+                        <p:cond delay="indefinite"/>
+                      </p:stCondLst>
+                      <p:childTnLst>
+                        <p:par>
+                          <p:cTn id="12" fill="hold">
+                            <p:stCondLst>
+                              <p:cond delay="0"/>
+                            </p:stCondLst>
+                            <p:childTnLst>
+                              <p:par>
+                                <p:cTn id="13" presetID="1" presetClass="entr" presetSubtype="0" fill="hold" grpId="0" nodeType="clickEffect">
+                                  <p:stCondLst>
+                                    <p:cond delay="0"/>
+                                  </p:stCondLst>
+                                  <p:childTnLst>
+                                    <p:set>
+                                      <p:cBhvr>
+                                        <p:cTn id="14" dur="1" fill="hold">
+                                          <p:stCondLst>
+                                            <p:cond delay="0"/>
+                                          </p:stCondLst>
+                                        </p:cTn>
+                                        <p:tgtEl>
+                                          <p:spTgt spid="3">
+                                            <p:txEl>
+                                              <p:pRg st="3" end="3"/>
+                                            </p:txEl>
+                                          </p:spTgt>
+                                        </p:tgtEl>
+                                        <p:attrNameLst>
+                                          <p:attrName>style.visibility</p:attrName>
+                                        </p:attrNameLst>
+                                      </p:cBhvr>
+                                      <p:to>
+                                        <p:strVal val="visible"/>
+                                      </p:to>
+                                    </p:set>
+                                  </p:childTnLst>
+                                </p:cTn>
+                              </p:par>
+                            </p:childTnLst>
+                          </p:cTn>
+                        </p:par>
+                      </p:childTnLst>
+                    </p:cTn>
+                  </p:par>
+                  <p:par>
+                    <p:cTn id="15" fill="hold">
+                      <p:stCondLst>
+                        <p:cond delay="indefinite"/>
+                      </p:stCondLst>
+                      <p:childTnLst>
+                        <p:par>
+                          <p:cTn id="16" fill="hold">
+                            <p:stCondLst>
+                              <p:cond delay="0"/>
+                            </p:stCondLst>
+                            <p:childTnLst>
+                              <p:par>
+                                <p:cTn id="17" presetID="1" presetClass="entr" presetSubtype="0" fill="hold" grpId="0" nodeType="clickEffect">
+                                  <p:stCondLst>
+                                    <p:cond delay="0"/>
+                                  </p:stCondLst>
+                                  <p:childTnLst>
+                                    <p:set>
+                                      <p:cBhvr>
+                                        <p:cTn id="18" dur="1" fill="hold">
+                                          <p:stCondLst>
+                                            <p:cond delay="0"/>
+                                          </p:stCondLst>
+                                        </p:cTn>
+                                        <p:tgtEl>
+                                          <p:spTgt spid="3">
+                                            <p:txEl>
+                                              <p:pRg st="4" end="4"/>
+                                            </p:txEl>
+                                          </p:spTgt>
+                                        </p:tgtEl>
+                                        <p:attrNameLst>
+                                          <p:attrName>style.visibility</p:attrName>
+                                        </p:attrNameLst>
+                                      </p:cBhvr>
+                                      <p:to>
+                                        <p:strVal val="visible"/>
+                                      </p:to>
+                                    </p:set>
+                                  </p:childTnLst>
+                                </p:cTn>
+                              </p:par>
+                            </p:childTnLst>
+                          </p:cTn>
+                        </p:par>
+                      </p:childTnLst>
+                    </p:cTn>
+                  </p:par>
+                  <p:par>
+                    <p:cTn id="19" fill="hold">
+                      <p:stCondLst>
+                        <p:cond delay="indefinite"/>
+                      </p:stCondLst>
+                      <p:childTnLst>
+                        <p:par>
+                          <p:cTn id="20" fill="hold">
+                            <p:stCondLst>
+                              <p:cond delay="0"/>
+                            </p:stCondLst>
+                            <p:childTnLst>
+                              <p:par>
+                                <p:cTn id="21" presetID="1" presetClass="entr" presetSubtype="0" fill="hold" grpId="0" nodeType="clickEffect">
+                                  <p:stCondLst>
+                                    <p:cond delay="0"/>
+                                  </p:stCondLst>
+                                  <p:childTnLst>
+                                    <p:set>
+                                      <p:cBhvr>
+                                        <p:cTn id="22" dur="1" fill="hold">
+                                          <p:stCondLst>
+                                            <p:cond delay="0"/>
+                                          </p:stCondLst>
+                                        </p:cTn>
+                                        <p:tgtEl>
+                                          <p:spTgt spid="3">
+                                            <p:txEl>
+                                              <p:pRg st="6" end="6"/>
+                                            </p:txEl>
+                                          </p:spTgt>
+                                        </p:tgtEl>
+                                        <p:attrNameLst>
+                                          <p:attrName>style.visibility</p:attrName>
+                                        </p:attrNameLst>
+                                      </p:cBhvr>
+                                      <p:to>
+                                        <p:strVal val="visible"/>
+                                      </p:to>
+                                    </p:set>
+                                  </p:childTnLst>
+                                </p:cTn>
+                              </p:par>
+                            </p:childTnLst>
+                          </p:cTn>
+                        </p:par>
+                      </p:childTnLst>
+                    </p:cTn>
+                  </p:par>
+                </p:childTnLst>
+              </p:cTn>
+              <p:prevCondLst>
+                <p:cond evt="onPrev" delay="0">
+                  <p:tgtEl>
+                    <p:sldTgt/>
+                  </p:tgtEl>
+                </p:cond>
+              </p:prevCondLst>
+              <p:nextCondLst>
+                <p:cond evt="onNext" delay="0">
+                  <p:tgtEl>
+                    <p:sldTgt/>
+                  </p:tgtEl>
+                </p:cond>
+              </p:nextCondLst>
+            </p:seq>
+          </p:childTnLst>
+        </p:cTn>
+      </p:par>
+    </p:tnLst>
+    <p:bldLst>
+      <p:bldP spid="3" grpId="0" build="p"/>
+    </p:bldLst>
+  </p:timing>
 </p:sld>
 </file>
 
@@ -20571,10 +19661,10 @@
       </p:grpSpPr>
       <p:sp>
         <p:nvSpPr>
-          <p:cNvPr id="8" name="Slide Number Placeholder 7">
-            <a:extLst>
-              <a:ext uri="{FF2B5EF4-FFF2-40B4-BE49-F238E27FC236}">
-                <a16:creationId xmlns:a16="http://schemas.microsoft.com/office/drawing/2014/main" id="{EEB8B2A6-D516-8888-1885-AD6C39AEEF24}"/>
+          <p:cNvPr id="2" name="Title 1">
+            <a:extLst>
+              <a:ext uri="{FF2B5EF4-FFF2-40B4-BE49-F238E27FC236}">
+                <a16:creationId xmlns:a16="http://schemas.microsoft.com/office/drawing/2014/main" id="{755D8163-A272-A9CA-BEFA-8E1879EDAE9E}"/>
               </a:ext>
             </a:extLst>
           </p:cNvPr>
@@ -20582,7 +19672,35 @@
             <a:spLocks noGrp="1"/>
           </p:cNvSpPr>
           <p:nvPr>
-            <p:ph type="sldNum" sz="quarter" idx="12"/>
+            <p:ph type="title"/>
+          </p:nvPr>
+        </p:nvSpPr>
+        <p:spPr/>
+        <p:txBody>
+          <a:bodyPr/>
+          <a:lstStyle/>
+          <a:p>
+            <a:r>
+              <a:rPr lang="en-US" dirty="0"/>
+              <a:t>The Code – Creating Our Function</a:t>
+            </a:r>
+          </a:p>
+        </p:txBody>
+      </p:sp>
+      <p:sp>
+        <p:nvSpPr>
+          <p:cNvPr id="6" name="Slide Number Placeholder 5">
+            <a:extLst>
+              <a:ext uri="{FF2B5EF4-FFF2-40B4-BE49-F238E27FC236}">
+                <a16:creationId xmlns:a16="http://schemas.microsoft.com/office/drawing/2014/main" id="{24FF01CD-01EF-0D01-D6F3-9B1C9CE8DF05}"/>
+              </a:ext>
+            </a:extLst>
+          </p:cNvPr>
+          <p:cNvSpPr>
+            <a:spLocks noGrp="1"/>
+          </p:cNvSpPr>
+          <p:nvPr>
+            <p:ph type="sldNum" sz="quarter" idx="4"/>
           </p:nvPr>
         </p:nvSpPr>
         <p:spPr/>
@@ -20599,53 +19717,12 @@
           </a:p>
         </p:txBody>
       </p:sp>
-      <p:sp>
-        <p:nvSpPr>
-          <p:cNvPr id="9" name="TextBox 8">
-            <a:extLst>
-              <a:ext uri="{FF2B5EF4-FFF2-40B4-BE49-F238E27FC236}">
-                <a16:creationId xmlns:a16="http://schemas.microsoft.com/office/drawing/2014/main" id="{170ACE12-BF53-8EED-13B2-C64B203ADC5D}"/>
-              </a:ext>
-            </a:extLst>
-          </p:cNvPr>
-          <p:cNvSpPr txBox="1"/>
-          <p:nvPr/>
-        </p:nvSpPr>
-        <p:spPr>
-          <a:xfrm>
-            <a:off x="316524" y="79131"/>
-            <a:ext cx="1266693" cy="1200329"/>
-          </a:xfrm>
-          <a:prstGeom prst="rect">
-            <a:avLst/>
-          </a:prstGeom>
-          <a:noFill/>
-        </p:spPr>
-        <p:txBody>
-          <a:bodyPr wrap="none" rtlCol="0">
-            <a:spAutoFit/>
-          </a:bodyPr>
-          <a:lstStyle/>
-          <a:p>
-            <a:r>
-              <a:rPr lang="en-US" sz="7200" dirty="0">
-                <a:solidFill>
-                  <a:schemeClr val="bg1">
-                    <a:lumMod val="95000"/>
-                  </a:schemeClr>
-                </a:solidFill>
-              </a:rPr>
-              <a:t>#3</a:t>
-            </a:r>
-          </a:p>
-        </p:txBody>
-      </p:sp>
       <p:pic>
         <p:nvPicPr>
-          <p:cNvPr id="5" name="Picture 4">
-            <a:extLst>
-              <a:ext uri="{FF2B5EF4-FFF2-40B4-BE49-F238E27FC236}">
-                <a16:creationId xmlns:a16="http://schemas.microsoft.com/office/drawing/2014/main" id="{AB8E3A97-1904-3FBD-7932-3F3A1B3D0E5C}"/>
+          <p:cNvPr id="12" name="Picture 11" descr="A picture containing text, screenshot, font, design&#10;&#10;Description automatically generated">
+            <a:extLst>
+              <a:ext uri="{FF2B5EF4-FFF2-40B4-BE49-F238E27FC236}">
+                <a16:creationId xmlns:a16="http://schemas.microsoft.com/office/drawing/2014/main" id="{13CBEE13-50E2-144A-70FE-8F7D86FDE90B}"/>
               </a:ext>
             </a:extLst>
           </p:cNvPr>
@@ -20662,24 +19739,368 @@
         </p:blipFill>
         <p:spPr>
           <a:xfrm>
-            <a:off x="1038315" y="3017502"/>
-            <a:ext cx="10115369" cy="822995"/>
+            <a:off x="630714" y="1972092"/>
+            <a:ext cx="4346640" cy="2913814"/>
           </a:xfrm>
           <a:prstGeom prst="rect">
             <a:avLst/>
           </a:prstGeom>
         </p:spPr>
       </p:pic>
+      <p:pic>
+        <p:nvPicPr>
+          <p:cNvPr id="14" name="Picture 13" descr="A picture containing text, screenshot, font, graphics&#10;&#10;Description automatically generated">
+            <a:extLst>
+              <a:ext uri="{FF2B5EF4-FFF2-40B4-BE49-F238E27FC236}">
+                <a16:creationId xmlns:a16="http://schemas.microsoft.com/office/drawing/2014/main" id="{839D5016-6767-AFD2-5B18-D82FD029F336}"/>
+              </a:ext>
+            </a:extLst>
+          </p:cNvPr>
+          <p:cNvPicPr>
+            <a:picLocks noChangeAspect="1"/>
+          </p:cNvPicPr>
+          <p:nvPr/>
+        </p:nvPicPr>
+        <p:blipFill>
+          <a:blip r:embed="rId3"/>
+          <a:stretch>
+            <a:fillRect/>
+          </a:stretch>
+        </p:blipFill>
+        <p:spPr>
+          <a:xfrm>
+            <a:off x="4837762" y="1972092"/>
+            <a:ext cx="3226869" cy="2913815"/>
+          </a:xfrm>
+          <a:prstGeom prst="rect">
+            <a:avLst/>
+          </a:prstGeom>
+        </p:spPr>
+      </p:pic>
+      <p:pic>
+        <p:nvPicPr>
+          <p:cNvPr id="16" name="Picture 15" descr="A picture containing text, screenshot, font&#10;&#10;Description automatically generated">
+            <a:extLst>
+              <a:ext uri="{FF2B5EF4-FFF2-40B4-BE49-F238E27FC236}">
+                <a16:creationId xmlns:a16="http://schemas.microsoft.com/office/drawing/2014/main" id="{0A832E8D-7509-1D61-01A7-F515AC309109}"/>
+              </a:ext>
+            </a:extLst>
+          </p:cNvPr>
+          <p:cNvPicPr>
+            <a:picLocks noChangeAspect="1"/>
+          </p:cNvPicPr>
+          <p:nvPr/>
+        </p:nvPicPr>
+        <p:blipFill>
+          <a:blip r:embed="rId4"/>
+          <a:stretch>
+            <a:fillRect/>
+          </a:stretch>
+        </p:blipFill>
+        <p:spPr>
+          <a:xfrm>
+            <a:off x="7925039" y="1972092"/>
+            <a:ext cx="3636247" cy="2913814"/>
+          </a:xfrm>
+          <a:prstGeom prst="rect">
+            <a:avLst/>
+          </a:prstGeom>
+        </p:spPr>
+      </p:pic>
+      <p:sp>
+        <p:nvSpPr>
+          <p:cNvPr id="17" name="TextBox 16">
+            <a:extLst>
+              <a:ext uri="{FF2B5EF4-FFF2-40B4-BE49-F238E27FC236}">
+                <a16:creationId xmlns:a16="http://schemas.microsoft.com/office/drawing/2014/main" id="{7C52ACD9-7EBE-378E-C22C-28A14A9A271C}"/>
+              </a:ext>
+            </a:extLst>
+          </p:cNvPr>
+          <p:cNvSpPr txBox="1"/>
+          <p:nvPr/>
+        </p:nvSpPr>
+        <p:spPr>
+          <a:xfrm>
+            <a:off x="1241886" y="5956240"/>
+            <a:ext cx="9630393" cy="400110"/>
+          </a:xfrm>
+          <a:prstGeom prst="rect">
+            <a:avLst/>
+          </a:prstGeom>
+          <a:noFill/>
+        </p:spPr>
+        <p:txBody>
+          <a:bodyPr wrap="none" rtlCol="0">
+            <a:spAutoFit/>
+          </a:bodyPr>
+          <a:lstStyle/>
+          <a:p>
+            <a:r>
+              <a:rPr lang="en-US" sz="2000" dirty="0"/>
+              <a:t>Both #1 and #3 would technically work, but </a:t>
+            </a:r>
+            <a:r>
+              <a:rPr lang="en-US" sz="2000" dirty="0">
+                <a:solidFill>
+                  <a:srgbClr val="FF0000"/>
+                </a:solidFill>
+              </a:rPr>
+              <a:t>#1 is preferred </a:t>
+            </a:r>
+            <a:r>
+              <a:rPr lang="en-US" sz="2000" dirty="0"/>
+              <a:t>since it’s more descriptive</a:t>
+            </a:r>
+          </a:p>
+        </p:txBody>
+      </p:sp>
     </p:spTree>
     <p:extLst>
       <p:ext uri="{BB962C8B-B14F-4D97-AF65-F5344CB8AC3E}">
-        <p14:creationId xmlns:p14="http://schemas.microsoft.com/office/powerpoint/2010/main" val="708246367"/>
+        <p14:creationId xmlns:p14="http://schemas.microsoft.com/office/powerpoint/2010/main" val="1330325812"/>
       </p:ext>
     </p:extLst>
   </p:cSld>
   <p:clrMapOvr>
     <a:masterClrMapping/>
   </p:clrMapOvr>
+  <p:timing>
+    <p:tnLst>
+      <p:par>
+        <p:cTn id="1" dur="indefinite" restart="never" nodeType="tmRoot">
+          <p:childTnLst>
+            <p:seq concurrent="1" nextAc="seek">
+              <p:cTn id="2" dur="indefinite" nodeType="mainSeq">
+                <p:childTnLst>
+                  <p:par>
+                    <p:cTn id="3" fill="hold">
+                      <p:stCondLst>
+                        <p:cond delay="indefinite"/>
+                      </p:stCondLst>
+                      <p:childTnLst>
+                        <p:par>
+                          <p:cTn id="4" fill="hold">
+                            <p:stCondLst>
+                              <p:cond delay="0"/>
+                            </p:stCondLst>
+                            <p:childTnLst>
+                              <p:par>
+                                <p:cTn id="5" presetID="10" presetClass="entr" presetSubtype="0" fill="hold" nodeType="clickEffect">
+                                  <p:stCondLst>
+                                    <p:cond delay="0"/>
+                                  </p:stCondLst>
+                                  <p:childTnLst>
+                                    <p:set>
+                                      <p:cBhvr>
+                                        <p:cTn id="6" dur="1" fill="hold">
+                                          <p:stCondLst>
+                                            <p:cond delay="0"/>
+                                          </p:stCondLst>
+                                        </p:cTn>
+                                        <p:tgtEl>
+                                          <p:spTgt spid="12"/>
+                                        </p:tgtEl>
+                                        <p:attrNameLst>
+                                          <p:attrName>style.visibility</p:attrName>
+                                        </p:attrNameLst>
+                                      </p:cBhvr>
+                                      <p:to>
+                                        <p:strVal val="visible"/>
+                                      </p:to>
+                                    </p:set>
+                                    <p:animEffect transition="in" filter="fade">
+                                      <p:cBhvr>
+                                        <p:cTn id="7" dur="500"/>
+                                        <p:tgtEl>
+                                          <p:spTgt spid="12"/>
+                                        </p:tgtEl>
+                                      </p:cBhvr>
+                                    </p:animEffect>
+                                  </p:childTnLst>
+                                </p:cTn>
+                              </p:par>
+                            </p:childTnLst>
+                          </p:cTn>
+                        </p:par>
+                      </p:childTnLst>
+                    </p:cTn>
+                  </p:par>
+                  <p:par>
+                    <p:cTn id="8" fill="hold">
+                      <p:stCondLst>
+                        <p:cond delay="indefinite"/>
+                      </p:stCondLst>
+                      <p:childTnLst>
+                        <p:par>
+                          <p:cTn id="9" fill="hold">
+                            <p:stCondLst>
+                              <p:cond delay="0"/>
+                            </p:stCondLst>
+                            <p:childTnLst>
+                              <p:par>
+                                <p:cTn id="10" presetID="10" presetClass="entr" presetSubtype="0" fill="hold" nodeType="clickEffect">
+                                  <p:stCondLst>
+                                    <p:cond delay="0"/>
+                                  </p:stCondLst>
+                                  <p:childTnLst>
+                                    <p:set>
+                                      <p:cBhvr>
+                                        <p:cTn id="11" dur="1" fill="hold">
+                                          <p:stCondLst>
+                                            <p:cond delay="0"/>
+                                          </p:stCondLst>
+                                        </p:cTn>
+                                        <p:tgtEl>
+                                          <p:spTgt spid="14"/>
+                                        </p:tgtEl>
+                                        <p:attrNameLst>
+                                          <p:attrName>style.visibility</p:attrName>
+                                        </p:attrNameLst>
+                                      </p:cBhvr>
+                                      <p:to>
+                                        <p:strVal val="visible"/>
+                                      </p:to>
+                                    </p:set>
+                                    <p:animEffect transition="in" filter="fade">
+                                      <p:cBhvr>
+                                        <p:cTn id="12" dur="500"/>
+                                        <p:tgtEl>
+                                          <p:spTgt spid="14"/>
+                                        </p:tgtEl>
+                                      </p:cBhvr>
+                                    </p:animEffect>
+                                  </p:childTnLst>
+                                </p:cTn>
+                              </p:par>
+                            </p:childTnLst>
+                          </p:cTn>
+                        </p:par>
+                      </p:childTnLst>
+                    </p:cTn>
+                  </p:par>
+                  <p:par>
+                    <p:cTn id="13" fill="hold">
+                      <p:stCondLst>
+                        <p:cond delay="indefinite"/>
+                      </p:stCondLst>
+                      <p:childTnLst>
+                        <p:par>
+                          <p:cTn id="14" fill="hold">
+                            <p:stCondLst>
+                              <p:cond delay="0"/>
+                            </p:stCondLst>
+                            <p:childTnLst>
+                              <p:par>
+                                <p:cTn id="15" presetID="10" presetClass="entr" presetSubtype="0" fill="hold" nodeType="clickEffect">
+                                  <p:stCondLst>
+                                    <p:cond delay="0"/>
+                                  </p:stCondLst>
+                                  <p:childTnLst>
+                                    <p:set>
+                                      <p:cBhvr>
+                                        <p:cTn id="16" dur="1" fill="hold">
+                                          <p:stCondLst>
+                                            <p:cond delay="0"/>
+                                          </p:stCondLst>
+                                        </p:cTn>
+                                        <p:tgtEl>
+                                          <p:spTgt spid="16"/>
+                                        </p:tgtEl>
+                                        <p:attrNameLst>
+                                          <p:attrName>style.visibility</p:attrName>
+                                        </p:attrNameLst>
+                                      </p:cBhvr>
+                                      <p:to>
+                                        <p:strVal val="visible"/>
+                                      </p:to>
+                                    </p:set>
+                                    <p:animEffect transition="in" filter="fade">
+                                      <p:cBhvr>
+                                        <p:cTn id="17" dur="500"/>
+                                        <p:tgtEl>
+                                          <p:spTgt spid="16"/>
+                                        </p:tgtEl>
+                                      </p:cBhvr>
+                                    </p:animEffect>
+                                  </p:childTnLst>
+                                </p:cTn>
+                              </p:par>
+                            </p:childTnLst>
+                          </p:cTn>
+                        </p:par>
+                      </p:childTnLst>
+                    </p:cTn>
+                  </p:par>
+                  <p:par>
+                    <p:cTn id="18" fill="hold">
+                      <p:stCondLst>
+                        <p:cond delay="indefinite"/>
+                      </p:stCondLst>
+                      <p:childTnLst>
+                        <p:par>
+                          <p:cTn id="19" fill="hold">
+                            <p:stCondLst>
+                              <p:cond delay="0"/>
+                            </p:stCondLst>
+                            <p:childTnLst>
+                              <p:par>
+                                <p:cTn id="20" presetID="1" presetClass="entr" presetSubtype="0" fill="hold" grpId="0" nodeType="clickEffect">
+                                  <p:stCondLst>
+                                    <p:cond delay="0"/>
+                                  </p:stCondLst>
+                                  <p:childTnLst>
+                                    <p:set>
+                                      <p:cBhvr>
+                                        <p:cTn id="21" dur="1" fill="hold">
+                                          <p:stCondLst>
+                                            <p:cond delay="0"/>
+                                          </p:stCondLst>
+                                        </p:cTn>
+                                        <p:tgtEl>
+                                          <p:spTgt spid="17"/>
+                                        </p:tgtEl>
+                                        <p:attrNameLst>
+                                          <p:attrName>style.visibility</p:attrName>
+                                        </p:attrNameLst>
+                                      </p:cBhvr>
+                                      <p:to>
+                                        <p:strVal val="visible"/>
+                                      </p:to>
+                                    </p:set>
+                                  </p:childTnLst>
+                                </p:cTn>
+                              </p:par>
+                            </p:childTnLst>
+                          </p:cTn>
+                        </p:par>
+                      </p:childTnLst>
+                    </p:cTn>
+                  </p:par>
+                </p:childTnLst>
+              </p:cTn>
+              <p:prevCondLst>
+                <p:cond evt="onPrev" delay="0">
+                  <p:tgtEl>
+                    <p:sldTgt/>
+                  </p:tgtEl>
+                </p:cond>
+              </p:prevCondLst>
+              <p:nextCondLst>
+                <p:cond evt="onNext" delay="0">
+                  <p:tgtEl>
+                    <p:sldTgt/>
+                  </p:tgtEl>
+                </p:cond>
+              </p:nextCondLst>
+            </p:seq>
+          </p:childTnLst>
+        </p:cTn>
+      </p:par>
+    </p:tnLst>
+    <p:bldLst>
+      <p:bldP spid="17" grpId="0"/>
+    </p:bldLst>
+  </p:timing>
 </p:sld>
 </file>
 
@@ -21180,6 +20601,25 @@
 </file>
 
 <file path=customXml/item1.xml><?xml version="1.0" encoding="utf-8"?>
+<p:properties xmlns:p="http://schemas.microsoft.com/office/2006/metadata/properties" xmlns:xsi="http://www.w3.org/2001/XMLSchema-instance" xmlns:pc="http://schemas.microsoft.com/office/infopath/2007/PartnerControls">
+  <documentManagement>
+    <_ip_UnifiedCompliancePolicyUIAction xmlns="http://schemas.microsoft.com/sharepoint/v3" xsi:nil="true"/>
+    <Image xmlns="71af3243-3dd4-4a8d-8c0d-dd76da1f02a5">
+      <Url xsi:nil="true"/>
+      <Description xsi:nil="true"/>
+    </Image>
+    <Status xmlns="71af3243-3dd4-4a8d-8c0d-dd76da1f02a5">Not started</Status>
+    <_ip_UnifiedCompliancePolicyProperties xmlns="http://schemas.microsoft.com/sharepoint/v3" xsi:nil="true"/>
+    <ImageTagsTaxHTField xmlns="71af3243-3dd4-4a8d-8c0d-dd76da1f02a5">
+      <Terms xmlns="http://schemas.microsoft.com/office/infopath/2007/PartnerControls"/>
+    </ImageTagsTaxHTField>
+    <TaxCatchAll xmlns="230e9df3-be65-4c73-a93b-d1236ebd677e"/>
+    <MediaServiceKeyPoints xmlns="71af3243-3dd4-4a8d-8c0d-dd76da1f02a5" xsi:nil="true"/>
+  </documentManagement>
+</p:properties>
+</file>
+
+<file path=customXml/item2.xml><?xml version="1.0" encoding="utf-8"?>
 <ct:contentTypeSchema xmlns:ct="http://schemas.microsoft.com/office/2006/metadata/contentType" xmlns:ma="http://schemas.microsoft.com/office/2006/metadata/properties/metaAttributes" ct:_="" ma:_="" ma:contentTypeName="Document" ma:contentTypeID="0x01010079F111ED35F8CC479449609E8A0923A6" ma:contentTypeVersion="21" ma:contentTypeDescription="Create a new document." ma:contentTypeScope="" ma:versionID="64dfb1555687e0874b4304b796b5b0c7">
   <xsd:schema xmlns:xsd="http://www.w3.org/2001/XMLSchema" xmlns:xs="http://www.w3.org/2001/XMLSchema" xmlns:p="http://schemas.microsoft.com/office/2006/metadata/properties" xmlns:ns1="http://schemas.microsoft.com/sharepoint/v3" xmlns:ns2="71af3243-3dd4-4a8d-8c0d-dd76da1f02a5" xmlns:ns3="16c05727-aa75-4e4a-9b5f-8a80a1165891" xmlns:ns4="230e9df3-be65-4c73-a93b-d1236ebd677e" targetNamespace="http://schemas.microsoft.com/office/2006/metadata/properties" ma:root="true" ma:fieldsID="e6e4c555b5e194d05b7203de9c4567b3" ns1:_="" ns2:_="" ns3:_="" ns4:_="">
     <xsd:import namespace="http://schemas.microsoft.com/sharepoint/v3"/>
@@ -21461,25 +20901,6 @@
 </ct:contentTypeSchema>
 </file>
 
-<file path=customXml/item2.xml><?xml version="1.0" encoding="utf-8"?>
-<p:properties xmlns:p="http://schemas.microsoft.com/office/2006/metadata/properties" xmlns:xsi="http://www.w3.org/2001/XMLSchema-instance" xmlns:pc="http://schemas.microsoft.com/office/infopath/2007/PartnerControls">
-  <documentManagement>
-    <_ip_UnifiedCompliancePolicyUIAction xmlns="http://schemas.microsoft.com/sharepoint/v3" xsi:nil="true"/>
-    <Image xmlns="71af3243-3dd4-4a8d-8c0d-dd76da1f02a5">
-      <Url xsi:nil="true"/>
-      <Description xsi:nil="true"/>
-    </Image>
-    <Status xmlns="71af3243-3dd4-4a8d-8c0d-dd76da1f02a5">Not started</Status>
-    <_ip_UnifiedCompliancePolicyProperties xmlns="http://schemas.microsoft.com/sharepoint/v3" xsi:nil="true"/>
-    <ImageTagsTaxHTField xmlns="71af3243-3dd4-4a8d-8c0d-dd76da1f02a5">
-      <Terms xmlns="http://schemas.microsoft.com/office/infopath/2007/PartnerControls"/>
-    </ImageTagsTaxHTField>
-    <TaxCatchAll xmlns="230e9df3-be65-4c73-a93b-d1236ebd677e"/>
-    <MediaServiceKeyPoints xmlns="71af3243-3dd4-4a8d-8c0d-dd76da1f02a5" xsi:nil="true"/>
-  </documentManagement>
-</p:properties>
-</file>
-
 <file path=customXml/item3.xml><?xml version="1.0" encoding="utf-8"?>
 <?mso-contentType ?>
 <FormTemplates xmlns="http://schemas.microsoft.com/sharepoint/v3/contenttype/forms">
@@ -21490,6 +20911,18 @@
 </file>
 
 <file path=customXml/itemProps1.xml><?xml version="1.0" encoding="utf-8"?>
+<ds:datastoreItem xmlns:ds="http://schemas.openxmlformats.org/officeDocument/2006/customXml" ds:itemID="{4D5BAB77-79E1-4739-AA51-10C9079186D6}">
+  <ds:schemaRefs>
+    <ds:schemaRef ds:uri="http://schemas.microsoft.com/office/2006/metadata/properties"/>
+    <ds:schemaRef ds:uri="http://schemas.microsoft.com/office/infopath/2007/PartnerControls"/>
+    <ds:schemaRef ds:uri="http://schemas.microsoft.com/sharepoint/v3"/>
+    <ds:schemaRef ds:uri="71af3243-3dd4-4a8d-8c0d-dd76da1f02a5"/>
+    <ds:schemaRef ds:uri="230e9df3-be65-4c73-a93b-d1236ebd677e"/>
+  </ds:schemaRefs>
+</ds:datastoreItem>
+</file>
+
+<file path=customXml/itemProps2.xml><?xml version="1.0" encoding="utf-8"?>
 <ds:datastoreItem xmlns:ds="http://schemas.openxmlformats.org/officeDocument/2006/customXml" ds:itemID="{4A615295-94F6-4CE2-A1B1-6B7E1DAA5AD6}">
   <ds:schemaRefs>
     <ds:schemaRef ds:uri="http://schemas.microsoft.com/office/2006/metadata/contentType"/>
@@ -21510,18 +20943,6 @@
 </ds:datastoreItem>
 </file>
 
-<file path=customXml/itemProps2.xml><?xml version="1.0" encoding="utf-8"?>
-<ds:datastoreItem xmlns:ds="http://schemas.openxmlformats.org/officeDocument/2006/customXml" ds:itemID="{4D5BAB77-79E1-4739-AA51-10C9079186D6}">
-  <ds:schemaRefs>
-    <ds:schemaRef ds:uri="http://schemas.microsoft.com/office/2006/metadata/properties"/>
-    <ds:schemaRef ds:uri="http://schemas.microsoft.com/office/infopath/2007/PartnerControls"/>
-    <ds:schemaRef ds:uri="http://schemas.microsoft.com/sharepoint/v3"/>
-    <ds:schemaRef ds:uri="71af3243-3dd4-4a8d-8c0d-dd76da1f02a5"/>
-    <ds:schemaRef ds:uri="230e9df3-be65-4c73-a93b-d1236ebd677e"/>
-  </ds:schemaRefs>
-</ds:datastoreItem>
-</file>
-
 <file path=customXml/itemProps3.xml><?xml version="1.0" encoding="utf-8"?>
 <ds:datastoreItem xmlns:ds="http://schemas.openxmlformats.org/officeDocument/2006/customXml" ds:itemID="{85334180-0405-413B-834A-44FA9E05ADB7}">
   <ds:schemaRefs>
